--- a/Documentation/ClownShell_Schema.pptx
+++ b/Documentation/ClownShell_Schema.pptx
@@ -346,7 +346,7 @@
             <a:pPr indent="0" algn="r">
               <a:buNone/>
             </a:pPr>
-            <a:fld id="{64CBD85D-2F8A-4127-99DD-5DE7C07A5F1B}" type="slidenum">
+            <a:fld id="{5D51C15F-797F-4CE6-B682-7BA576581BF8}" type="slidenum">
               <a:rPr b="0" lang="en-US" sz="1400" spc="-1" strike="noStrike">
                 <a:solidFill>
                   <a:srgbClr val="000000"/>
@@ -400,7 +400,7 @@
         <p:spPr>
           <a:xfrm>
             <a:off x="2857680" y="514440"/>
-            <a:ext cx="3428280" cy="2571120"/>
+            <a:ext cx="3427920" cy="2570760"/>
           </a:xfrm>
           <a:prstGeom prst="rect">
             <a:avLst/>
@@ -423,7 +423,7 @@
         <p:spPr>
           <a:xfrm>
             <a:off x="914400" y="3257640"/>
-            <a:ext cx="7314480" cy="3085560"/>
+            <a:ext cx="7314120" cy="3085200"/>
           </a:xfrm>
           <a:prstGeom prst="rect">
             <a:avLst/>
@@ -434,7 +434,7 @@
           </a:ln>
         </p:spPr>
         <p:txBody>
-          <a:bodyPr lIns="91440" rIns="91440" tIns="45720" bIns="45720" anchor="t">
+          <a:bodyPr anchor="t">
             <a:noAutofit/>
           </a:bodyPr>
           <a:p>
@@ -478,7 +478,7 @@
         <p:spPr>
           <a:xfrm>
             <a:off x="5180040" y="6513480"/>
-            <a:ext cx="3961800" cy="342360"/>
+            <a:ext cx="3961440" cy="342000"/>
           </a:xfrm>
           <a:prstGeom prst="rect">
             <a:avLst/>
@@ -489,11 +489,11 @@
           </a:ln>
         </p:spPr>
         <p:txBody>
-          <a:bodyPr lIns="91440" rIns="91440" tIns="45720" bIns="45720" anchor="b">
+          <a:bodyPr anchor="b">
             <a:noAutofit/>
           </a:bodyPr>
           <a:lstStyle>
-            <a:lvl1pPr indent="0" algn="r" defTabSz="914400">
+            <a:lvl1pPr indent="0" algn="r">
               <a:lnSpc>
                 <a:spcPct val="100000"/>
               </a:lnSpc>
@@ -511,7 +511,7 @@
             </a:lvl1pPr>
           </a:lstStyle>
           <a:p>
-            <a:pPr indent="0" algn="r" defTabSz="914400">
+            <a:pPr indent="0" algn="r">
               <a:lnSpc>
                 <a:spcPct val="100000"/>
               </a:lnSpc>
@@ -520,7 +520,7 @@
                 <a:tab algn="l" pos="0"/>
               </a:tabLst>
             </a:pPr>
-            <a:fld id="{2D2AA5C5-D648-4F51-9ECC-B51423F567B3}" type="slidenum">
+            <a:fld id="{69E6D363-0B59-4E78-B0A5-9259394B07C5}" type="slidenum">
               <a:rPr b="0" lang="en-US" sz="1200" spc="-1" strike="noStrike">
                 <a:solidFill>
                   <a:schemeClr val="dk1"/>
@@ -574,7 +574,7 @@
         <p:spPr>
           <a:xfrm>
             <a:off x="2857680" y="514440"/>
-            <a:ext cx="3428280" cy="2571120"/>
+            <a:ext cx="3427920" cy="2570760"/>
           </a:xfrm>
           <a:prstGeom prst="rect">
             <a:avLst/>
@@ -597,7 +597,7 @@
         <p:spPr>
           <a:xfrm>
             <a:off x="914400" y="3257640"/>
-            <a:ext cx="7314480" cy="3085560"/>
+            <a:ext cx="7314120" cy="3085200"/>
           </a:xfrm>
           <a:prstGeom prst="rect">
             <a:avLst/>
@@ -608,7 +608,7 @@
           </a:ln>
         </p:spPr>
         <p:txBody>
-          <a:bodyPr lIns="91440" rIns="91440" tIns="45720" bIns="45720" anchor="t">
+          <a:bodyPr anchor="t">
             <a:noAutofit/>
           </a:bodyPr>
           <a:p>
@@ -637,7 +637,7 @@
         <p:spPr>
           <a:xfrm>
             <a:off x="5180040" y="6513480"/>
-            <a:ext cx="3961800" cy="342360"/>
+            <a:ext cx="3961440" cy="342000"/>
           </a:xfrm>
           <a:prstGeom prst="rect">
             <a:avLst/>
@@ -648,11 +648,11 @@
           </a:ln>
         </p:spPr>
         <p:txBody>
-          <a:bodyPr lIns="91440" rIns="91440" tIns="45720" bIns="45720" anchor="b">
+          <a:bodyPr anchor="b">
             <a:noAutofit/>
           </a:bodyPr>
           <a:lstStyle>
-            <a:lvl1pPr indent="0" algn="r" defTabSz="914400">
+            <a:lvl1pPr indent="0" algn="r">
               <a:lnSpc>
                 <a:spcPct val="100000"/>
               </a:lnSpc>
@@ -670,7 +670,7 @@
             </a:lvl1pPr>
           </a:lstStyle>
           <a:p>
-            <a:pPr indent="0" algn="r" defTabSz="914400">
+            <a:pPr indent="0" algn="r">
               <a:lnSpc>
                 <a:spcPct val="100000"/>
               </a:lnSpc>
@@ -679,7 +679,7 @@
                 <a:tab algn="l" pos="0"/>
               </a:tabLst>
             </a:pPr>
-            <a:fld id="{1F312E41-66C0-4F2A-BB88-F118F08B7E44}" type="slidenum">
+            <a:fld id="{F0767946-DA13-413C-B14D-D5544FEDD367}" type="slidenum">
               <a:rPr b="0" lang="en-US" sz="1200" spc="-1" strike="noStrike">
                 <a:solidFill>
                   <a:schemeClr val="dk1"/>
@@ -733,7 +733,7 @@
         <p:spPr>
           <a:xfrm>
             <a:off x="2857680" y="514440"/>
-            <a:ext cx="3428280" cy="2571120"/>
+            <a:ext cx="3427920" cy="2570760"/>
           </a:xfrm>
           <a:prstGeom prst="rect">
             <a:avLst/>
@@ -756,7 +756,7 @@
         <p:spPr>
           <a:xfrm>
             <a:off x="914400" y="3257640"/>
-            <a:ext cx="7314480" cy="3085560"/>
+            <a:ext cx="7314120" cy="3085200"/>
           </a:xfrm>
           <a:prstGeom prst="rect">
             <a:avLst/>
@@ -767,7 +767,7 @@
           </a:ln>
         </p:spPr>
         <p:txBody>
-          <a:bodyPr lIns="91440" rIns="91440" tIns="45720" bIns="45720" anchor="t">
+          <a:bodyPr anchor="t">
             <a:noAutofit/>
           </a:bodyPr>
           <a:p>
@@ -796,7 +796,7 @@
         <p:spPr>
           <a:xfrm>
             <a:off x="5180040" y="6513480"/>
-            <a:ext cx="3961800" cy="342360"/>
+            <a:ext cx="3961440" cy="342000"/>
           </a:xfrm>
           <a:prstGeom prst="rect">
             <a:avLst/>
@@ -807,11 +807,11 @@
           </a:ln>
         </p:spPr>
         <p:txBody>
-          <a:bodyPr lIns="91440" rIns="91440" tIns="45720" bIns="45720" anchor="b">
+          <a:bodyPr anchor="b">
             <a:noAutofit/>
           </a:bodyPr>
           <a:lstStyle>
-            <a:lvl1pPr indent="0" algn="r" defTabSz="914400">
+            <a:lvl1pPr indent="0" algn="r">
               <a:lnSpc>
                 <a:spcPct val="100000"/>
               </a:lnSpc>
@@ -829,7 +829,7 @@
             </a:lvl1pPr>
           </a:lstStyle>
           <a:p>
-            <a:pPr indent="0" algn="r" defTabSz="914400">
+            <a:pPr indent="0" algn="r">
               <a:lnSpc>
                 <a:spcPct val="100000"/>
               </a:lnSpc>
@@ -838,7 +838,7 @@
                 <a:tab algn="l" pos="0"/>
               </a:tabLst>
             </a:pPr>
-            <a:fld id="{0067BB63-3ED0-4152-B109-95A464CD15C7}" type="slidenum">
+            <a:fld id="{AB4953F4-2316-4AF8-AB50-742C8BEF8516}" type="slidenum">
               <a:rPr b="0" lang="en-US" sz="1200" spc="-1" strike="noStrike">
                 <a:solidFill>
                   <a:schemeClr val="dk1"/>
@@ -892,7 +892,7 @@
         <p:spPr>
           <a:xfrm>
             <a:off x="2857680" y="514440"/>
-            <a:ext cx="3428280" cy="2571120"/>
+            <a:ext cx="3427920" cy="2570760"/>
           </a:xfrm>
           <a:prstGeom prst="rect">
             <a:avLst/>
@@ -915,7 +915,7 @@
         <p:spPr>
           <a:xfrm>
             <a:off x="914400" y="3257640"/>
-            <a:ext cx="7314480" cy="3085560"/>
+            <a:ext cx="7314120" cy="3085200"/>
           </a:xfrm>
           <a:prstGeom prst="rect">
             <a:avLst/>
@@ -926,7 +926,7 @@
           </a:ln>
         </p:spPr>
         <p:txBody>
-          <a:bodyPr lIns="91440" rIns="91440" tIns="45720" bIns="45720" anchor="t">
+          <a:bodyPr anchor="t">
             <a:noAutofit/>
           </a:bodyPr>
           <a:p>
@@ -955,7 +955,7 @@
         <p:spPr>
           <a:xfrm>
             <a:off x="5180040" y="6513480"/>
-            <a:ext cx="3961800" cy="342360"/>
+            <a:ext cx="3961440" cy="342000"/>
           </a:xfrm>
           <a:prstGeom prst="rect">
             <a:avLst/>
@@ -966,11 +966,11 @@
           </a:ln>
         </p:spPr>
         <p:txBody>
-          <a:bodyPr lIns="91440" rIns="91440" tIns="45720" bIns="45720" anchor="b">
+          <a:bodyPr anchor="b">
             <a:noAutofit/>
           </a:bodyPr>
           <a:lstStyle>
-            <a:lvl1pPr indent="0" algn="r" defTabSz="914400">
+            <a:lvl1pPr indent="0" algn="r">
               <a:lnSpc>
                 <a:spcPct val="100000"/>
               </a:lnSpc>
@@ -988,7 +988,7 @@
             </a:lvl1pPr>
           </a:lstStyle>
           <a:p>
-            <a:pPr indent="0" algn="r" defTabSz="914400">
+            <a:pPr indent="0" algn="r">
               <a:lnSpc>
                 <a:spcPct val="100000"/>
               </a:lnSpc>
@@ -997,7 +997,7 @@
                 <a:tab algn="l" pos="0"/>
               </a:tabLst>
             </a:pPr>
-            <a:fld id="{139FBFA9-AF4C-49FF-8795-04F306D8157C}" type="slidenum">
+            <a:fld id="{DBE6C58C-6972-42C7-B675-D78B937A8DC5}" type="slidenum">
               <a:rPr b="0" lang="en-US" sz="1200" spc="-1" strike="noStrike">
                 <a:solidFill>
                   <a:schemeClr val="dk1"/>
@@ -1072,7 +1072,7 @@
         <p:txBody>
           <a:bodyPr/>
           <a:p>
-            <a:fld id="{A1B5D545-D1BB-40D2-9976-325AD5B5C2F1}" type="slidenum">
+            <a:fld id="{ED0299B4-33E7-4E4F-967A-21E31DA898AF}" type="slidenum">
               <a:t>&lt;#&gt;</a:t>
             </a:fld>
           </a:p>
@@ -1281,7 +1281,7 @@
         <p:txBody>
           <a:bodyPr/>
           <a:p>
-            <a:fld id="{796530AB-919F-495F-9499-986AB98DD506}" type="slidenum">
+            <a:fld id="{118DCC55-7DD2-4820-A4D0-52D72C8F210F}" type="slidenum">
               <a:t>&lt;#&gt;</a:t>
             </a:fld>
           </a:p>
@@ -1576,7 +1576,7 @@
         <p:txBody>
           <a:bodyPr/>
           <a:p>
-            <a:fld id="{BDF29840-0E4C-409E-898B-8926A7E31E82}" type="slidenum">
+            <a:fld id="{F79DEFA5-E989-43AF-A793-8F15D5DE1184}" type="slidenum">
               <a:t>&lt;#&gt;</a:t>
             </a:fld>
           </a:p>
@@ -1957,7 +1957,7 @@
         <p:txBody>
           <a:bodyPr/>
           <a:p>
-            <a:fld id="{8301C9FA-118D-4F51-B1B4-3455AD9CF63C}" type="slidenum">
+            <a:fld id="{D04398B7-EEB3-4D45-8F80-CB4C79F9EB4B}" type="slidenum">
               <a:t>&lt;#&gt;</a:t>
             </a:fld>
           </a:p>
@@ -2040,7 +2040,7 @@
         <p:txBody>
           <a:bodyPr/>
           <a:p>
-            <a:fld id="{09F3000C-482F-402C-A1CC-8EF66364FA7D}" type="slidenum">
+            <a:fld id="{52969CD5-00AC-408C-BE9B-BBAA1D96B06E}" type="slidenum">
               <a:t>&lt;#&gt;</a:t>
             </a:fld>
           </a:p>
@@ -2203,7 +2203,7 @@
         <p:txBody>
           <a:bodyPr/>
           <a:p>
-            <a:fld id="{699CB8B8-6DF7-454B-A0CF-2C90EA05297B}" type="slidenum">
+            <a:fld id="{21444B94-C27A-4E77-87B6-DDBD11C49A5D}" type="slidenum">
               <a:t>&lt;#&gt;</a:t>
             </a:fld>
           </a:p>
@@ -2369,7 +2369,7 @@
         <p:txBody>
           <a:bodyPr/>
           <a:p>
-            <a:fld id="{A0AA6388-F565-418A-A3CE-F99EC020666E}" type="slidenum">
+            <a:fld id="{478098FF-1096-4075-B85F-A476E03BC747}" type="slidenum">
               <a:t>&lt;#&gt;</a:t>
             </a:fld>
           </a:p>
@@ -2578,7 +2578,7 @@
         <p:txBody>
           <a:bodyPr/>
           <a:p>
-            <a:fld id="{E24B5A61-B6E3-44ED-B3DF-A7D3AB4ECA6D}" type="slidenum">
+            <a:fld id="{66123B65-417E-4A91-B2F0-B02B9A0CFF31}" type="slidenum">
               <a:t>&lt;#&gt;</a:t>
             </a:fld>
           </a:p>
@@ -2701,7 +2701,7 @@
         <p:txBody>
           <a:bodyPr/>
           <a:p>
-            <a:fld id="{E7192F8A-BF4A-42FC-923E-6C0DA4DBC4C7}" type="slidenum">
+            <a:fld id="{C3EDBD21-F900-40DA-B4C4-4231F13B5519}" type="slidenum">
               <a:t>&lt;#&gt;</a:t>
             </a:fld>
           </a:p>
@@ -2822,7 +2822,7 @@
         <p:txBody>
           <a:bodyPr/>
           <a:p>
-            <a:fld id="{00847B75-9C07-4F13-A25C-657BB527A932}" type="slidenum">
+            <a:fld id="{A659F9C6-1E2C-4382-87E9-25E77DE7E5E8}" type="slidenum">
               <a:t>&lt;#&gt;</a:t>
             </a:fld>
           </a:p>
@@ -3074,7 +3074,7 @@
         <p:txBody>
           <a:bodyPr/>
           <a:p>
-            <a:fld id="{767C2ABE-7D51-425B-A413-BE281AAB5CAA}" type="slidenum">
+            <a:fld id="{864F77D7-9DDA-47AE-8624-0F5CCE0FBB06}" type="slidenum">
               <a:t>&lt;#&gt;</a:t>
             </a:fld>
           </a:p>
@@ -3237,7 +3237,7 @@
         <p:txBody>
           <a:bodyPr/>
           <a:p>
-            <a:fld id="{665F21C4-2E0B-4F28-9086-9A28A9591EA1}" type="slidenum">
+            <a:fld id="{6A3416FF-B259-4487-A8FE-21925EB25FD8}" type="slidenum">
               <a:t>&lt;#&gt;</a:t>
             </a:fld>
           </a:p>
@@ -3489,7 +3489,7 @@
         <p:txBody>
           <a:bodyPr/>
           <a:p>
-            <a:fld id="{0105A074-2472-48EF-8B47-BC6AF4FEB211}" type="slidenum">
+            <a:fld id="{353CE2EE-A72B-4DDD-A376-40CC1115B035}" type="slidenum">
               <a:t>&lt;#&gt;</a:t>
             </a:fld>
           </a:p>
@@ -3741,7 +3741,7 @@
         <p:txBody>
           <a:bodyPr/>
           <a:p>
-            <a:fld id="{3C55EDD2-A539-4875-B0CC-D676F049AC64}" type="slidenum">
+            <a:fld id="{799BFC9C-41D7-4F6D-B336-9AEA98C1B6A9}" type="slidenum">
               <a:t>&lt;#&gt;</a:t>
             </a:fld>
           </a:p>
@@ -3950,7 +3950,7 @@
         <p:txBody>
           <a:bodyPr/>
           <a:p>
-            <a:fld id="{8F4ED93C-4D6B-468C-8E8B-D10D35920C27}" type="slidenum">
+            <a:fld id="{AC35EAB5-234B-46D4-9615-5553EB5AA869}" type="slidenum">
               <a:t>&lt;#&gt;</a:t>
             </a:fld>
           </a:p>
@@ -4245,7 +4245,7 @@
         <p:txBody>
           <a:bodyPr/>
           <a:p>
-            <a:fld id="{4F8F846C-9ADB-459C-BEB3-02BCD7C6215F}" type="slidenum">
+            <a:fld id="{FE26D92C-464A-43B8-B392-C7DACBAD13B8}" type="slidenum">
               <a:t>&lt;#&gt;</a:t>
             </a:fld>
           </a:p>
@@ -4626,7 +4626,7 @@
         <p:txBody>
           <a:bodyPr/>
           <a:p>
-            <a:fld id="{68A922BE-00B4-46B2-AB99-A57704DD25F9}" type="slidenum">
+            <a:fld id="{02221E27-917A-41EF-82A8-3206FC98B39A}" type="slidenum">
               <a:t>&lt;#&gt;</a:t>
             </a:fld>
           </a:p>
@@ -4792,7 +4792,7 @@
         <p:txBody>
           <a:bodyPr/>
           <a:p>
-            <a:fld id="{258AC63C-E814-46CC-A349-BC20E04DDBC2}" type="slidenum">
+            <a:fld id="{DAEFA99F-17D9-41E8-BC69-C943728B3917}" type="slidenum">
               <a:t>&lt;#&gt;</a:t>
             </a:fld>
           </a:p>
@@ -5001,7 +5001,7 @@
         <p:txBody>
           <a:bodyPr/>
           <a:p>
-            <a:fld id="{78BCB8C5-07FE-4783-88FD-8BF9FA129C09}" type="slidenum">
+            <a:fld id="{50D33DD4-2210-4959-B0E0-BA3776DB3526}" type="slidenum">
               <a:t>&lt;#&gt;</a:t>
             </a:fld>
           </a:p>
@@ -5124,7 +5124,7 @@
         <p:txBody>
           <a:bodyPr/>
           <a:p>
-            <a:fld id="{84B9BACA-0702-420D-B205-2E7969D08C66}" type="slidenum">
+            <a:fld id="{AE485D97-92A8-4C91-A699-B28109063ACF}" type="slidenum">
               <a:t>&lt;#&gt;</a:t>
             </a:fld>
           </a:p>
@@ -5245,7 +5245,7 @@
         <p:txBody>
           <a:bodyPr/>
           <a:p>
-            <a:fld id="{69BE2D63-CF4A-4510-8975-7108C0F67178}" type="slidenum">
+            <a:fld id="{16533D58-F348-47E1-92F1-D5328CBCF81F}" type="slidenum">
               <a:t>&lt;#&gt;</a:t>
             </a:fld>
           </a:p>
@@ -5497,7 +5497,7 @@
         <p:txBody>
           <a:bodyPr/>
           <a:p>
-            <a:fld id="{285D0F01-93C7-4376-BD1D-F955D68F82E4}" type="slidenum">
+            <a:fld id="{C6A584DB-DDDE-430B-82C7-BFAA8D9C4C90}" type="slidenum">
               <a:t>&lt;#&gt;</a:t>
             </a:fld>
           </a:p>
@@ -5749,7 +5749,7 @@
         <p:txBody>
           <a:bodyPr/>
           <a:p>
-            <a:fld id="{A4C73F94-0510-4F80-A3A7-1E380AF61D64}" type="slidenum">
+            <a:fld id="{075D9216-93DE-4A96-B62F-9A16098F08FE}" type="slidenum">
               <a:t>&lt;#&gt;</a:t>
             </a:fld>
           </a:p>
@@ -6001,7 +6001,7 @@
         <p:txBody>
           <a:bodyPr/>
           <a:p>
-            <a:fld id="{364D4A23-5D4D-4377-8882-5F2EE8FA3166}" type="slidenum">
+            <a:fld id="{D345F2AD-B12B-43C3-B43A-BCC00FCC705B}" type="slidenum">
               <a:t>&lt;#&gt;</a:t>
             </a:fld>
           </a:p>
@@ -6041,9 +6041,6 @@
         <a:gradFill rotWithShape="0">
           <a:gsLst>
             <a:gs pos="0">
-              <a:srgbClr val="272727"/>
-            </a:gs>
-            <a:gs pos="30000">
               <a:srgbClr val="2f2f2f"/>
             </a:gs>
             <a:gs pos="100000">
@@ -6077,15 +6074,15 @@
         <p:spPr>
           <a:xfrm>
             <a:off x="0" y="4752000"/>
-            <a:ext cx="9143280" cy="2112120"/>
+            <a:ext cx="9142920" cy="2111760"/>
           </a:xfrm>
           <a:custGeom>
             <a:avLst/>
             <a:gdLst>
-              <a:gd name="textAreaLeft" fmla="*/ 0 w 9143280"/>
-              <a:gd name="textAreaRight" fmla="*/ 9143640 w 9143280"/>
-              <a:gd name="textAreaTop" fmla="*/ 0 h 2112120"/>
-              <a:gd name="textAreaBottom" fmla="*/ 2112480 h 2112120"/>
+              <a:gd name="textAreaLeft" fmla="*/ 0 w 9142920"/>
+              <a:gd name="textAreaRight" fmla="*/ 9143640 w 9142920"/>
+              <a:gd name="textAreaTop" fmla="*/ 0 h 2111760"/>
+              <a:gd name="textAreaBottom" fmla="*/ 2112480 h 2111760"/>
             </a:gdLst>
             <a:ahLst/>
             <a:rect l="textAreaLeft" t="textAreaTop" r="textAreaRight" b="textAreaBottom"/>
@@ -6141,7 +6138,7 @@
             <a:noAutofit/>
           </a:bodyPr>
           <a:p>
-            <a:pPr defTabSz="914400">
+            <a:pPr>
               <a:lnSpc>
                 <a:spcPct val="100000"/>
               </a:lnSpc>
@@ -6164,15 +6161,15 @@
         <p:spPr>
           <a:xfrm>
             <a:off x="7315200" y="0"/>
-            <a:ext cx="1828080" cy="6857280"/>
+            <a:ext cx="1827720" cy="6856920"/>
           </a:xfrm>
           <a:custGeom>
             <a:avLst/>
             <a:gdLst>
-              <a:gd name="textAreaLeft" fmla="*/ 0 w 1828080"/>
-              <a:gd name="textAreaRight" fmla="*/ 1828800 w 1828080"/>
-              <a:gd name="textAreaTop" fmla="*/ 0 h 6857280"/>
-              <a:gd name="textAreaBottom" fmla="*/ 6858000 h 6857280"/>
+              <a:gd name="textAreaLeft" fmla="*/ 0 w 1827720"/>
+              <a:gd name="textAreaRight" fmla="*/ 1828800 w 1827720"/>
+              <a:gd name="textAreaTop" fmla="*/ 0 h 6856920"/>
+              <a:gd name="textAreaBottom" fmla="*/ 6858000 h 6856920"/>
             </a:gdLst>
             <a:ahLst/>
             <a:rect l="textAreaLeft" t="textAreaTop" r="textAreaRight" b="textAreaBottom"/>
@@ -6228,7 +6225,7 @@
             <a:noAutofit/>
           </a:bodyPr>
           <a:p>
-            <a:pPr defTabSz="914400">
+            <a:pPr>
               <a:lnSpc>
                 <a:spcPct val="100000"/>
               </a:lnSpc>
@@ -6251,15 +6248,15 @@
         <p:spPr>
           <a:xfrm>
             <a:off x="0" y="4752000"/>
-            <a:ext cx="9143280" cy="2112120"/>
+            <a:ext cx="9142920" cy="2111760"/>
           </a:xfrm>
           <a:custGeom>
             <a:avLst/>
             <a:gdLst>
-              <a:gd name="textAreaLeft" fmla="*/ 0 w 9143280"/>
-              <a:gd name="textAreaRight" fmla="*/ 9143640 w 9143280"/>
-              <a:gd name="textAreaTop" fmla="*/ 0 h 2112120"/>
-              <a:gd name="textAreaBottom" fmla="*/ 2112480 h 2112120"/>
+              <a:gd name="textAreaLeft" fmla="*/ 0 w 9142920"/>
+              <a:gd name="textAreaRight" fmla="*/ 9143640 w 9142920"/>
+              <a:gd name="textAreaTop" fmla="*/ 0 h 2111760"/>
+              <a:gd name="textAreaBottom" fmla="*/ 2112480 h 2111760"/>
             </a:gdLst>
             <a:ahLst/>
             <a:rect l="textAreaLeft" t="textAreaTop" r="textAreaRight" b="textAreaBottom"/>
@@ -6315,7 +6312,7 @@
             <a:noAutofit/>
           </a:bodyPr>
           <a:p>
-            <a:pPr defTabSz="914400">
+            <a:pPr>
               <a:lnSpc>
                 <a:spcPct val="100000"/>
               </a:lnSpc>
@@ -6338,15 +6335,15 @@
         <p:spPr>
           <a:xfrm>
             <a:off x="6105600" y="0"/>
-            <a:ext cx="3037680" cy="6857280"/>
+            <a:ext cx="3037320" cy="6856920"/>
           </a:xfrm>
           <a:custGeom>
             <a:avLst/>
             <a:gdLst>
-              <a:gd name="textAreaLeft" fmla="*/ 0 w 3037680"/>
-              <a:gd name="textAreaRight" fmla="*/ 3038400 w 3037680"/>
-              <a:gd name="textAreaTop" fmla="*/ 0 h 6857280"/>
-              <a:gd name="textAreaBottom" fmla="*/ 6858000 h 6857280"/>
+              <a:gd name="textAreaLeft" fmla="*/ 0 w 3037320"/>
+              <a:gd name="textAreaRight" fmla="*/ 3038400 w 3037320"/>
+              <a:gd name="textAreaTop" fmla="*/ 0 h 6856920"/>
+              <a:gd name="textAreaBottom" fmla="*/ 6858000 h 6856920"/>
             </a:gdLst>
             <a:ahLst/>
             <a:rect l="textAreaLeft" t="textAreaTop" r="textAreaRight" b="textAreaBottom"/>
@@ -6402,7 +6399,7 @@
             <a:noAutofit/>
           </a:bodyPr>
           <a:p>
-            <a:pPr defTabSz="914400">
+            <a:pPr>
               <a:lnSpc>
                 <a:spcPct val="100000"/>
               </a:lnSpc>
@@ -6428,8 +6425,8 @@
         </p:nvSpPr>
         <p:spPr>
           <a:xfrm>
-            <a:off x="457200" y="274680"/>
-            <a:ext cx="7466760" cy="1142280"/>
+            <a:off x="457200" y="273600"/>
+            <a:ext cx="8228880" cy="1144440"/>
           </a:xfrm>
           <a:prstGeom prst="rect">
             <a:avLst/>
@@ -6472,13 +6469,238 @@
             <a:spLocks noGrp="1"/>
           </p:cNvSpPr>
           <p:nvPr>
+            <p:ph type="body"/>
+          </p:nvPr>
+        </p:nvSpPr>
+        <p:spPr>
+          <a:xfrm>
+            <a:off x="457200" y="1604520"/>
+            <a:ext cx="8228880" cy="3976920"/>
+          </a:xfrm>
+          <a:prstGeom prst="rect">
+            <a:avLst/>
+          </a:prstGeom>
+          <a:noFill/>
+          <a:ln w="0">
+            <a:noFill/>
+          </a:ln>
+        </p:spPr>
+        <p:txBody>
+          <a:bodyPr lIns="0" rIns="0" tIns="0" bIns="0" anchor="t">
+            <a:normAutofit/>
+          </a:bodyPr>
+          <a:p>
+            <a:pPr marL="432000" indent="-324000">
+              <a:spcBef>
+                <a:spcPts val="1417"/>
+              </a:spcBef>
+              <a:buClr>
+                <a:srgbClr val="000000"/>
+              </a:buClr>
+              <a:buSzPct val="45000"/>
+              <a:buFont typeface="Wingdings" charset="2"/>
+              <a:buChar char=""/>
+            </a:pPr>
+            <a:r>
+              <a:rPr b="0" lang="en-US" sz="1800" spc="-1" strike="noStrike">
+                <a:solidFill>
+                  <a:srgbClr val="000000"/>
+                </a:solidFill>
+                <a:latin typeface="Arial"/>
+              </a:rPr>
+              <a:t>Click to edit the outline text format</a:t>
+            </a:r>
+            <a:endParaRPr b="0" lang="en-US" sz="1800" spc="-1" strike="noStrike">
+              <a:solidFill>
+                <a:srgbClr val="000000"/>
+              </a:solidFill>
+              <a:latin typeface="Arial"/>
+            </a:endParaRPr>
+          </a:p>
+          <a:p>
+            <a:pPr lvl="1" marL="864000" indent="-324000">
+              <a:spcBef>
+                <a:spcPts val="1134"/>
+              </a:spcBef>
+              <a:buClr>
+                <a:srgbClr val="000000"/>
+              </a:buClr>
+              <a:buSzPct val="75000"/>
+              <a:buFont typeface="Symbol" charset="2"/>
+              <a:buChar char=""/>
+            </a:pPr>
+            <a:r>
+              <a:rPr b="0" lang="en-US" sz="1800" spc="-1" strike="noStrike">
+                <a:solidFill>
+                  <a:srgbClr val="000000"/>
+                </a:solidFill>
+                <a:latin typeface="Arial"/>
+              </a:rPr>
+              <a:t>Second Outline Level</a:t>
+            </a:r>
+            <a:endParaRPr b="0" lang="en-US" sz="1800" spc="-1" strike="noStrike">
+              <a:solidFill>
+                <a:srgbClr val="000000"/>
+              </a:solidFill>
+              <a:latin typeface="Arial"/>
+            </a:endParaRPr>
+          </a:p>
+          <a:p>
+            <a:pPr lvl="2" marL="1296000" indent="-288000">
+              <a:spcBef>
+                <a:spcPts val="850"/>
+              </a:spcBef>
+              <a:buClr>
+                <a:srgbClr val="000000"/>
+              </a:buClr>
+              <a:buSzPct val="45000"/>
+              <a:buFont typeface="Wingdings" charset="2"/>
+              <a:buChar char=""/>
+            </a:pPr>
+            <a:r>
+              <a:rPr b="0" lang="en-US" sz="1800" spc="-1" strike="noStrike">
+                <a:solidFill>
+                  <a:srgbClr val="000000"/>
+                </a:solidFill>
+                <a:latin typeface="Arial"/>
+              </a:rPr>
+              <a:t>Third Outline Level</a:t>
+            </a:r>
+            <a:endParaRPr b="0" lang="en-US" sz="1800" spc="-1" strike="noStrike">
+              <a:solidFill>
+                <a:srgbClr val="000000"/>
+              </a:solidFill>
+              <a:latin typeface="Arial"/>
+            </a:endParaRPr>
+          </a:p>
+          <a:p>
+            <a:pPr lvl="3" marL="1728000" indent="-216000">
+              <a:spcBef>
+                <a:spcPts val="567"/>
+              </a:spcBef>
+              <a:buClr>
+                <a:srgbClr val="000000"/>
+              </a:buClr>
+              <a:buSzPct val="75000"/>
+              <a:buFont typeface="Symbol" charset="2"/>
+              <a:buChar char=""/>
+            </a:pPr>
+            <a:r>
+              <a:rPr b="0" lang="en-US" sz="1800" spc="-1" strike="noStrike">
+                <a:solidFill>
+                  <a:srgbClr val="000000"/>
+                </a:solidFill>
+                <a:latin typeface="Arial"/>
+              </a:rPr>
+              <a:t>Fourth Outline Level</a:t>
+            </a:r>
+            <a:endParaRPr b="0" lang="en-US" sz="1800" spc="-1" strike="noStrike">
+              <a:solidFill>
+                <a:srgbClr val="000000"/>
+              </a:solidFill>
+              <a:latin typeface="Arial"/>
+            </a:endParaRPr>
+          </a:p>
+          <a:p>
+            <a:pPr lvl="4" marL="2160000" indent="-216000">
+              <a:spcBef>
+                <a:spcPts val="283"/>
+              </a:spcBef>
+              <a:buClr>
+                <a:srgbClr val="000000"/>
+              </a:buClr>
+              <a:buSzPct val="45000"/>
+              <a:buFont typeface="Wingdings" charset="2"/>
+              <a:buChar char=""/>
+            </a:pPr>
+            <a:r>
+              <a:rPr b="0" lang="en-US" sz="1800" spc="-1" strike="noStrike">
+                <a:solidFill>
+                  <a:srgbClr val="000000"/>
+                </a:solidFill>
+                <a:latin typeface="Arial"/>
+              </a:rPr>
+              <a:t>Fifth Outline Level</a:t>
+            </a:r>
+            <a:endParaRPr b="0" lang="en-US" sz="1800" spc="-1" strike="noStrike">
+              <a:solidFill>
+                <a:srgbClr val="000000"/>
+              </a:solidFill>
+              <a:latin typeface="Arial"/>
+            </a:endParaRPr>
+          </a:p>
+          <a:p>
+            <a:pPr lvl="5" marL="2592000" indent="-216000">
+              <a:spcBef>
+                <a:spcPts val="283"/>
+              </a:spcBef>
+              <a:buClr>
+                <a:srgbClr val="000000"/>
+              </a:buClr>
+              <a:buSzPct val="45000"/>
+              <a:buFont typeface="Wingdings" charset="2"/>
+              <a:buChar char=""/>
+            </a:pPr>
+            <a:r>
+              <a:rPr b="0" lang="en-US" sz="1800" spc="-1" strike="noStrike">
+                <a:solidFill>
+                  <a:srgbClr val="000000"/>
+                </a:solidFill>
+                <a:latin typeface="Arial"/>
+              </a:rPr>
+              <a:t>Sixth Outline Level</a:t>
+            </a:r>
+            <a:endParaRPr b="0" lang="en-US" sz="1800" spc="-1" strike="noStrike">
+              <a:solidFill>
+                <a:srgbClr val="000000"/>
+              </a:solidFill>
+              <a:latin typeface="Arial"/>
+            </a:endParaRPr>
+          </a:p>
+          <a:p>
+            <a:pPr lvl="6" marL="3024000" indent="-216000">
+              <a:spcBef>
+                <a:spcPts val="283"/>
+              </a:spcBef>
+              <a:buClr>
+                <a:srgbClr val="000000"/>
+              </a:buClr>
+              <a:buSzPct val="45000"/>
+              <a:buFont typeface="Wingdings" charset="2"/>
+              <a:buChar char=""/>
+            </a:pPr>
+            <a:r>
+              <a:rPr b="0" lang="en-US" sz="1800" spc="-1" strike="noStrike">
+                <a:solidFill>
+                  <a:srgbClr val="000000"/>
+                </a:solidFill>
+                <a:latin typeface="Arial"/>
+              </a:rPr>
+              <a:t>Seventh Outline Level</a:t>
+            </a:r>
+            <a:endParaRPr b="0" lang="en-US" sz="1800" spc="-1" strike="noStrike">
+              <a:solidFill>
+                <a:srgbClr val="000000"/>
+              </a:solidFill>
+              <a:latin typeface="Arial"/>
+            </a:endParaRPr>
+          </a:p>
+        </p:txBody>
+      </p:sp>
+      <p:sp>
+        <p:nvSpPr>
+          <p:cNvPr id="6" name="PlaceHolder 3"/>
+          <p:cNvSpPr>
+            <a:spLocks noGrp="1"/>
+          </p:cNvSpPr>
+          <p:nvPr>
             <p:ph type="ftr" idx="1"/>
           </p:nvPr>
         </p:nvSpPr>
         <p:spPr>
           <a:xfrm>
             <a:off x="3124080" y="6422040"/>
-            <a:ext cx="2894760" cy="364320"/>
+            <a:ext cx="2894400" cy="363960"/>
           </a:xfrm>
           <a:prstGeom prst="rect">
             <a:avLst/>
@@ -6539,7 +6761,7 @@
       </p:sp>
       <p:sp>
         <p:nvSpPr>
-          <p:cNvPr id="6" name="PlaceHolder 3"/>
+          <p:cNvPr id="7" name="PlaceHolder 4"/>
           <p:cNvSpPr>
             <a:spLocks noGrp="1"/>
           </p:cNvSpPr>
@@ -6550,7 +6772,7 @@
         <p:spPr>
           <a:xfrm>
             <a:off x="8153280" y="6422040"/>
-            <a:ext cx="761400" cy="364320"/>
+            <a:ext cx="761040" cy="363960"/>
           </a:xfrm>
           <a:prstGeom prst="rect">
             <a:avLst/>
@@ -6565,7 +6787,7 @@
             <a:noAutofit/>
           </a:bodyPr>
           <a:lstStyle>
-            <a:lvl1pPr indent="0" algn="r" defTabSz="914400">
+            <a:lvl1pPr indent="0" algn="r">
               <a:lnSpc>
                 <a:spcPct val="100000"/>
               </a:lnSpc>
@@ -6575,16 +6797,14 @@
               </a:tabLst>
               <a:defRPr b="0" lang="en-US" sz="1000" spc="-1" strike="noStrike">
                 <a:solidFill>
-                  <a:schemeClr val="dk2">
-                    <a:shade val="50000"/>
-                  </a:schemeClr>
+                  <a:srgbClr val="2b2b2b"/>
                 </a:solidFill>
                 <a:latin typeface="Arial"/>
               </a:defRPr>
             </a:lvl1pPr>
           </a:lstStyle>
           <a:p>
-            <a:pPr indent="0" algn="r" defTabSz="914400">
+            <a:pPr indent="0" algn="r">
               <a:lnSpc>
                 <a:spcPct val="100000"/>
               </a:lnSpc>
@@ -6593,12 +6813,10 @@
                 <a:tab algn="l" pos="0"/>
               </a:tabLst>
             </a:pPr>
-            <a:fld id="{1CD73702-9EE8-46CB-AC4D-1BD4B14A570B}" type="slidenum">
+            <a:fld id="{4F9C9579-AF6B-4C9A-BCF3-DBBC0E40C60D}" type="slidenum">
               <a:rPr b="0" lang="en-US" sz="1000" spc="-1" strike="noStrike">
                 <a:solidFill>
-                  <a:schemeClr val="dk2">
-                    <a:shade val="50000"/>
-                  </a:schemeClr>
+                  <a:srgbClr val="2b2b2b"/>
                 </a:solidFill>
                 <a:latin typeface="Arial"/>
               </a:rPr>
@@ -6615,7 +6833,7 @@
       </p:sp>
       <p:sp>
         <p:nvSpPr>
-          <p:cNvPr id="7" name="PlaceHolder 4"/>
+          <p:cNvPr id="8" name="PlaceHolder 5"/>
           <p:cNvSpPr>
             <a:spLocks noGrp="1"/>
           </p:cNvSpPr>
@@ -6626,7 +6844,7 @@
         <p:spPr>
           <a:xfrm>
             <a:off x="457200" y="6422040"/>
-            <a:ext cx="2133000" cy="364320"/>
+            <a:ext cx="2132640" cy="363960"/>
           </a:xfrm>
           <a:prstGeom prst="rect">
             <a:avLst/>
@@ -6669,231 +6887,6 @@
                 <a:srgbClr val="000000"/>
               </a:solidFill>
               <a:latin typeface="Times New Roman"/>
-            </a:endParaRPr>
-          </a:p>
-        </p:txBody>
-      </p:sp>
-      <p:sp>
-        <p:nvSpPr>
-          <p:cNvPr id="8" name="PlaceHolder 5"/>
-          <p:cNvSpPr>
-            <a:spLocks noGrp="1"/>
-          </p:cNvSpPr>
-          <p:nvPr>
-            <p:ph type="body"/>
-          </p:nvPr>
-        </p:nvSpPr>
-        <p:spPr>
-          <a:xfrm>
-            <a:off x="457200" y="1604520"/>
-            <a:ext cx="8229240" cy="3977280"/>
-          </a:xfrm>
-          <a:prstGeom prst="rect">
-            <a:avLst/>
-          </a:prstGeom>
-          <a:noFill/>
-          <a:ln w="0">
-            <a:noFill/>
-          </a:ln>
-        </p:spPr>
-        <p:txBody>
-          <a:bodyPr lIns="0" rIns="0" tIns="0" bIns="0" anchor="t">
-            <a:normAutofit/>
-          </a:bodyPr>
-          <a:p>
-            <a:pPr marL="432000" indent="-324000">
-              <a:spcBef>
-                <a:spcPts val="1417"/>
-              </a:spcBef>
-              <a:buClr>
-                <a:srgbClr val="000000"/>
-              </a:buClr>
-              <a:buSzPct val="45000"/>
-              <a:buFont typeface="Wingdings" charset="2"/>
-              <a:buChar char=""/>
-            </a:pPr>
-            <a:r>
-              <a:rPr b="0" lang="en-US" sz="3200" spc="-1" strike="noStrike">
-                <a:solidFill>
-                  <a:srgbClr val="000000"/>
-                </a:solidFill>
-                <a:latin typeface="Arial"/>
-              </a:rPr>
-              <a:t>Click to edit the outline text format</a:t>
-            </a:r>
-            <a:endParaRPr b="0" lang="en-US" sz="3200" spc="-1" strike="noStrike">
-              <a:solidFill>
-                <a:srgbClr val="000000"/>
-              </a:solidFill>
-              <a:latin typeface="Arial"/>
-            </a:endParaRPr>
-          </a:p>
-          <a:p>
-            <a:pPr lvl="1" marL="864000" indent="-324000">
-              <a:spcBef>
-                <a:spcPts val="1134"/>
-              </a:spcBef>
-              <a:buClr>
-                <a:srgbClr val="000000"/>
-              </a:buClr>
-              <a:buSzPct val="75000"/>
-              <a:buFont typeface="Symbol" charset="2"/>
-              <a:buChar char=""/>
-            </a:pPr>
-            <a:r>
-              <a:rPr b="0" lang="en-US" sz="2800" spc="-1" strike="noStrike">
-                <a:solidFill>
-                  <a:srgbClr val="000000"/>
-                </a:solidFill>
-                <a:latin typeface="Arial"/>
-              </a:rPr>
-              <a:t>Second Outline Level</a:t>
-            </a:r>
-            <a:endParaRPr b="0" lang="en-US" sz="2800" spc="-1" strike="noStrike">
-              <a:solidFill>
-                <a:srgbClr val="000000"/>
-              </a:solidFill>
-              <a:latin typeface="Arial"/>
-            </a:endParaRPr>
-          </a:p>
-          <a:p>
-            <a:pPr lvl="2" marL="1296000" indent="-288000">
-              <a:spcBef>
-                <a:spcPts val="850"/>
-              </a:spcBef>
-              <a:buClr>
-                <a:srgbClr val="000000"/>
-              </a:buClr>
-              <a:buSzPct val="45000"/>
-              <a:buFont typeface="Wingdings" charset="2"/>
-              <a:buChar char=""/>
-            </a:pPr>
-            <a:r>
-              <a:rPr b="0" lang="en-US" sz="2400" spc="-1" strike="noStrike">
-                <a:solidFill>
-                  <a:srgbClr val="000000"/>
-                </a:solidFill>
-                <a:latin typeface="Arial"/>
-              </a:rPr>
-              <a:t>Third Outline Level</a:t>
-            </a:r>
-            <a:endParaRPr b="0" lang="en-US" sz="2400" spc="-1" strike="noStrike">
-              <a:solidFill>
-                <a:srgbClr val="000000"/>
-              </a:solidFill>
-              <a:latin typeface="Arial"/>
-            </a:endParaRPr>
-          </a:p>
-          <a:p>
-            <a:pPr lvl="3" marL="1728000" indent="-216000">
-              <a:spcBef>
-                <a:spcPts val="567"/>
-              </a:spcBef>
-              <a:buClr>
-                <a:srgbClr val="000000"/>
-              </a:buClr>
-              <a:buSzPct val="75000"/>
-              <a:buFont typeface="Symbol" charset="2"/>
-              <a:buChar char=""/>
-            </a:pPr>
-            <a:r>
-              <a:rPr b="0" lang="en-US" sz="2000" spc="-1" strike="noStrike">
-                <a:solidFill>
-                  <a:srgbClr val="000000"/>
-                </a:solidFill>
-                <a:latin typeface="Arial"/>
-              </a:rPr>
-              <a:t>Fourth Outline Level</a:t>
-            </a:r>
-            <a:endParaRPr b="0" lang="en-US" sz="2000" spc="-1" strike="noStrike">
-              <a:solidFill>
-                <a:srgbClr val="000000"/>
-              </a:solidFill>
-              <a:latin typeface="Arial"/>
-            </a:endParaRPr>
-          </a:p>
-          <a:p>
-            <a:pPr lvl="4" marL="2160000" indent="-216000">
-              <a:spcBef>
-                <a:spcPts val="283"/>
-              </a:spcBef>
-              <a:buClr>
-                <a:srgbClr val="000000"/>
-              </a:buClr>
-              <a:buSzPct val="45000"/>
-              <a:buFont typeface="Wingdings" charset="2"/>
-              <a:buChar char=""/>
-            </a:pPr>
-            <a:r>
-              <a:rPr b="0" lang="en-US" sz="2000" spc="-1" strike="noStrike">
-                <a:solidFill>
-                  <a:srgbClr val="000000"/>
-                </a:solidFill>
-                <a:latin typeface="Arial"/>
-              </a:rPr>
-              <a:t>Fifth Outline Level</a:t>
-            </a:r>
-            <a:endParaRPr b="0" lang="en-US" sz="2000" spc="-1" strike="noStrike">
-              <a:solidFill>
-                <a:srgbClr val="000000"/>
-              </a:solidFill>
-              <a:latin typeface="Arial"/>
-            </a:endParaRPr>
-          </a:p>
-          <a:p>
-            <a:pPr lvl="5" marL="2592000" indent="-216000">
-              <a:spcBef>
-                <a:spcPts val="283"/>
-              </a:spcBef>
-              <a:buClr>
-                <a:srgbClr val="000000"/>
-              </a:buClr>
-              <a:buSzPct val="45000"/>
-              <a:buFont typeface="Wingdings" charset="2"/>
-              <a:buChar char=""/>
-            </a:pPr>
-            <a:r>
-              <a:rPr b="0" lang="en-US" sz="2000" spc="-1" strike="noStrike">
-                <a:solidFill>
-                  <a:srgbClr val="000000"/>
-                </a:solidFill>
-                <a:latin typeface="Arial"/>
-              </a:rPr>
-              <a:t>Sixth Outline Level</a:t>
-            </a:r>
-            <a:endParaRPr b="0" lang="en-US" sz="2000" spc="-1" strike="noStrike">
-              <a:solidFill>
-                <a:srgbClr val="000000"/>
-              </a:solidFill>
-              <a:latin typeface="Arial"/>
-            </a:endParaRPr>
-          </a:p>
-          <a:p>
-            <a:pPr lvl="6" marL="3024000" indent="-216000">
-              <a:spcBef>
-                <a:spcPts val="283"/>
-              </a:spcBef>
-              <a:buClr>
-                <a:srgbClr val="000000"/>
-              </a:buClr>
-              <a:buSzPct val="45000"/>
-              <a:buFont typeface="Wingdings" charset="2"/>
-              <a:buChar char=""/>
-            </a:pPr>
-            <a:r>
-              <a:rPr b="0" lang="en-US" sz="2000" spc="-1" strike="noStrike">
-                <a:solidFill>
-                  <a:srgbClr val="000000"/>
-                </a:solidFill>
-                <a:latin typeface="Arial"/>
-              </a:rPr>
-              <a:t>Seventh Outline Level</a:t>
-            </a:r>
-            <a:endParaRPr b="0" lang="en-US" sz="2000" spc="-1" strike="noStrike">
-              <a:solidFill>
-                <a:srgbClr val="000000"/>
-              </a:solidFill>
-              <a:latin typeface="Arial"/>
             </a:endParaRPr>
           </a:p>
         </p:txBody>
@@ -6951,15 +6944,15 @@
         <p:spPr>
           <a:xfrm>
             <a:off x="0" y="4752000"/>
-            <a:ext cx="9143280" cy="2112120"/>
+            <a:ext cx="9142920" cy="2111760"/>
           </a:xfrm>
           <a:custGeom>
             <a:avLst/>
             <a:gdLst>
-              <a:gd name="textAreaLeft" fmla="*/ 0 w 9143280"/>
-              <a:gd name="textAreaRight" fmla="*/ 9143640 w 9143280"/>
-              <a:gd name="textAreaTop" fmla="*/ 0 h 2112120"/>
-              <a:gd name="textAreaBottom" fmla="*/ 2112480 h 2112120"/>
+              <a:gd name="textAreaLeft" fmla="*/ 0 w 9142920"/>
+              <a:gd name="textAreaRight" fmla="*/ 9143640 w 9142920"/>
+              <a:gd name="textAreaTop" fmla="*/ 0 h 2111760"/>
+              <a:gd name="textAreaBottom" fmla="*/ 2112480 h 2111760"/>
             </a:gdLst>
             <a:ahLst/>
             <a:rect l="textAreaLeft" t="textAreaTop" r="textAreaRight" b="textAreaBottom"/>
@@ -7015,7 +7008,7 @@
             <a:noAutofit/>
           </a:bodyPr>
           <a:p>
-            <a:pPr defTabSz="914400">
+            <a:pPr>
               <a:lnSpc>
                 <a:spcPct val="100000"/>
               </a:lnSpc>
@@ -7038,15 +7031,15 @@
         <p:spPr>
           <a:xfrm>
             <a:off x="7315200" y="0"/>
-            <a:ext cx="1828080" cy="6857280"/>
+            <a:ext cx="1827720" cy="6856920"/>
           </a:xfrm>
           <a:custGeom>
             <a:avLst/>
             <a:gdLst>
-              <a:gd name="textAreaLeft" fmla="*/ 0 w 1828080"/>
-              <a:gd name="textAreaRight" fmla="*/ 1828800 w 1828080"/>
-              <a:gd name="textAreaTop" fmla="*/ 0 h 6857280"/>
-              <a:gd name="textAreaBottom" fmla="*/ 6858000 h 6857280"/>
+              <a:gd name="textAreaLeft" fmla="*/ 0 w 1827720"/>
+              <a:gd name="textAreaRight" fmla="*/ 1828800 w 1827720"/>
+              <a:gd name="textAreaTop" fmla="*/ 0 h 6856920"/>
+              <a:gd name="textAreaBottom" fmla="*/ 6858000 h 6856920"/>
             </a:gdLst>
             <a:ahLst/>
             <a:rect l="textAreaLeft" t="textAreaTop" r="textAreaRight" b="textAreaBottom"/>
@@ -7102,7 +7095,7 @@
             <a:noAutofit/>
           </a:bodyPr>
           <a:p>
-            <a:pPr defTabSz="914400">
+            <a:pPr>
               <a:lnSpc>
                 <a:spcPct val="100000"/>
               </a:lnSpc>
@@ -7129,7 +7122,7 @@
         <p:spPr>
           <a:xfrm>
             <a:off x="3124080" y="6422040"/>
-            <a:ext cx="2894760" cy="364320"/>
+            <a:ext cx="2894400" cy="363960"/>
           </a:xfrm>
           <a:prstGeom prst="rect">
             <a:avLst/>
@@ -7201,7 +7194,7 @@
         <p:spPr>
           <a:xfrm>
             <a:off x="8153280" y="6422040"/>
-            <a:ext cx="761400" cy="364320"/>
+            <a:ext cx="761040" cy="363960"/>
           </a:xfrm>
           <a:prstGeom prst="rect">
             <a:avLst/>
@@ -7216,7 +7209,7 @@
             <a:noAutofit/>
           </a:bodyPr>
           <a:lstStyle>
-            <a:lvl1pPr indent="0" algn="r" defTabSz="914400">
+            <a:lvl1pPr indent="0" algn="r">
               <a:lnSpc>
                 <a:spcPct val="100000"/>
               </a:lnSpc>
@@ -7226,16 +7219,14 @@
               </a:tabLst>
               <a:defRPr b="0" lang="en-US" sz="1000" spc="-1" strike="noStrike">
                 <a:solidFill>
-                  <a:schemeClr val="dk2">
-                    <a:shade val="50000"/>
-                  </a:schemeClr>
+                  <a:srgbClr val="2b2b2b"/>
                 </a:solidFill>
                 <a:latin typeface="Arial"/>
               </a:defRPr>
             </a:lvl1pPr>
           </a:lstStyle>
           <a:p>
-            <a:pPr indent="0" algn="r" defTabSz="914400">
+            <a:pPr indent="0" algn="r">
               <a:lnSpc>
                 <a:spcPct val="100000"/>
               </a:lnSpc>
@@ -7244,12 +7235,10 @@
                 <a:tab algn="l" pos="0"/>
               </a:tabLst>
             </a:pPr>
-            <a:fld id="{035FFDE9-F8F8-414D-8B6E-22B0155C5504}" type="slidenum">
+            <a:fld id="{906BD617-69F7-48DB-837D-60BBE581B08D}" type="slidenum">
               <a:rPr b="0" lang="en-US" sz="1000" spc="-1" strike="noStrike">
                 <a:solidFill>
-                  <a:schemeClr val="dk2">
-                    <a:shade val="50000"/>
-                  </a:schemeClr>
+                  <a:srgbClr val="2b2b2b"/>
                 </a:solidFill>
                 <a:latin typeface="Arial"/>
               </a:rPr>
@@ -7277,7 +7266,7 @@
         <p:spPr>
           <a:xfrm>
             <a:off x="457200" y="6422040"/>
-            <a:ext cx="2133000" cy="364320"/>
+            <a:ext cx="2132640" cy="363960"/>
           </a:xfrm>
           <a:prstGeom prst="rect">
             <a:avLst/>
@@ -7644,7 +7633,7 @@
         <p:spPr>
           <a:xfrm>
             <a:off x="3810240" y="457200"/>
-            <a:ext cx="761400" cy="456480"/>
+            <a:ext cx="761040" cy="456120"/>
           </a:xfrm>
           <a:prstGeom prst="ellipse">
             <a:avLst/>
@@ -7678,7 +7667,7 @@
             <a:noAutofit/>
           </a:bodyPr>
           <a:p>
-            <a:pPr algn="ctr" defTabSz="914400">
+            <a:pPr algn="ctr">
               <a:lnSpc>
                 <a:spcPct val="100000"/>
               </a:lnSpc>
@@ -7710,7 +7699,7 @@
         <p:spPr>
           <a:xfrm>
             <a:off x="3657600" y="1134000"/>
-            <a:ext cx="2938680" cy="922680"/>
+            <a:ext cx="2938320" cy="922320"/>
           </a:xfrm>
           <a:prstGeom prst="flowChartDecision">
             <a:avLst/>
@@ -7744,7 +7733,7 @@
             <a:noAutofit/>
           </a:bodyPr>
           <a:p>
-            <a:pPr algn="ctr" defTabSz="914400">
+            <a:pPr algn="ctr">
               <a:lnSpc>
                 <a:spcPct val="100000"/>
               </a:lnSpc>
@@ -7778,8 +7767,8 @@
         </p:nvCxnSpPr>
         <p:spPr>
           <a:xfrm>
-            <a:off x="4571640" y="685440"/>
-            <a:ext cx="555480" cy="448920"/>
+            <a:off x="4571280" y="685440"/>
+            <a:ext cx="555840" cy="448920"/>
           </a:xfrm>
           <a:prstGeom prst="bentConnector2">
             <a:avLst/>
@@ -7801,7 +7790,7 @@
         <p:spPr>
           <a:xfrm>
             <a:off x="1828800" y="3428640"/>
-            <a:ext cx="1881360" cy="913680"/>
+            <a:ext cx="1881000" cy="913320"/>
           </a:xfrm>
           <a:prstGeom prst="flowChartDecision">
             <a:avLst/>
@@ -7835,7 +7824,7 @@
             <a:noAutofit/>
           </a:bodyPr>
           <a:p>
-            <a:pPr algn="ctr" defTabSz="914400">
+            <a:pPr algn="ctr">
               <a:lnSpc>
                 <a:spcPct val="100000"/>
               </a:lnSpc>
@@ -7867,7 +7856,7 @@
         <p:spPr>
           <a:xfrm>
             <a:off x="7004880" y="4907160"/>
-            <a:ext cx="1452960" cy="1065960"/>
+            <a:ext cx="1452600" cy="1065600"/>
           </a:xfrm>
           <a:prstGeom prst="ellipse">
             <a:avLst/>
@@ -7901,7 +7890,7 @@
             <a:noAutofit/>
           </a:bodyPr>
           <a:p>
-            <a:pPr algn="ctr" defTabSz="914400">
+            <a:pPr algn="ctr">
               <a:lnSpc>
                 <a:spcPct val="100000"/>
               </a:lnSpc>
@@ -7933,7 +7922,7 @@
         <p:spPr>
           <a:xfrm>
             <a:off x="914400" y="4343760"/>
-            <a:ext cx="1193760" cy="685080"/>
+            <a:ext cx="1193400" cy="684720"/>
           </a:xfrm>
           <a:prstGeom prst="parallelogram">
             <a:avLst>
@@ -7969,7 +7958,7 @@
             <a:noAutofit/>
           </a:bodyPr>
           <a:p>
-            <a:pPr algn="ctr" defTabSz="914400">
+            <a:pPr algn="ctr">
               <a:lnSpc>
                 <a:spcPct val="100000"/>
               </a:lnSpc>
@@ -8004,7 +7993,7 @@
         <p:spPr>
           <a:xfrm flipV="1" rot="10800000">
             <a:off x="1511280" y="3885120"/>
-            <a:ext cx="317880" cy="458640"/>
+            <a:ext cx="317880" cy="459000"/>
           </a:xfrm>
           <a:prstGeom prst="bentConnector2">
             <a:avLst/>
@@ -8030,7 +8019,7 @@
         <p:spPr>
           <a:xfrm>
             <a:off x="3895560" y="6090120"/>
-            <a:ext cx="4434480" cy="995400"/>
+            <a:ext cx="4434120" cy="995040"/>
           </a:xfrm>
           <a:prstGeom prst="rect">
             <a:avLst/>
@@ -8057,9 +8046,7 @@
             <a:r>
               <a:rPr b="1" lang="en-US" sz="4600" spc="-1" strike="noStrike" cap="all">
                 <a:solidFill>
-                  <a:schemeClr val="accent1">
-                    <a:tint val="63000"/>
-                  </a:schemeClr>
+                  <a:srgbClr val="b6cad1"/>
                 </a:solidFill>
                 <a:latin typeface="Franklin Gothic Book"/>
               </a:rPr>
@@ -8083,7 +8070,7 @@
         <p:spPr>
           <a:xfrm>
             <a:off x="0" y="1600200"/>
-            <a:ext cx="1193760" cy="685080"/>
+            <a:ext cx="1193400" cy="684720"/>
           </a:xfrm>
           <a:prstGeom prst="parallelogram">
             <a:avLst>
@@ -8119,7 +8106,7 @@
             <a:noAutofit/>
           </a:bodyPr>
           <a:p>
-            <a:pPr algn="ctr" defTabSz="914400">
+            <a:pPr algn="ctr">
               <a:lnSpc>
                 <a:spcPct val="100000"/>
               </a:lnSpc>
@@ -8156,8 +8143,11 @@
             <a:off x="596880" y="1595160"/>
             <a:ext cx="3061080" cy="5400"/>
           </a:xfrm>
-          <a:prstGeom prst="bentConnector2">
-            <a:avLst/>
+          <a:prstGeom prst="bentConnector4">
+            <a:avLst>
+              <a:gd name="adj1" fmla="val 90096"/>
+              <a:gd name="adj2" fmla="val -92857"/>
+            </a:avLst>
           </a:prstGeom>
           <a:ln w="0">
             <a:solidFill>
@@ -8179,11 +8169,11 @@
         <p:spPr>
           <a:xfrm flipH="1" rot="16200000">
             <a:off x="1111320" y="1770480"/>
-            <a:ext cx="1143720" cy="2172960"/>
+            <a:ext cx="1144080" cy="2172600"/>
           </a:xfrm>
           <a:prstGeom prst="bentConnector3">
             <a:avLst>
-              <a:gd name="adj1" fmla="val 50000"/>
+              <a:gd name="adj1" fmla="val 50015"/>
             </a:avLst>
           </a:prstGeom>
           <a:ln w="0">
@@ -8203,7 +8193,7 @@
         <p:spPr>
           <a:xfrm>
             <a:off x="457200" y="5486400"/>
-            <a:ext cx="2911680" cy="569880"/>
+            <a:ext cx="2911320" cy="569520"/>
           </a:xfrm>
           <a:prstGeom prst="flowChartDecision">
             <a:avLst/>
@@ -8237,7 +8227,7 @@
             <a:noAutofit/>
           </a:bodyPr>
           <a:p>
-            <a:pPr algn="ctr" defTabSz="914400">
+            <a:pPr algn="ctr">
               <a:lnSpc>
                 <a:spcPct val="100000"/>
               </a:lnSpc>
@@ -8271,13 +8261,13 @@
         </p:nvCxnSpPr>
         <p:spPr>
           <a:xfrm flipH="1">
-            <a:off x="1913040" y="4686480"/>
-            <a:ext cx="110160" cy="800280"/>
+            <a:off x="1912680" y="4686120"/>
+            <a:ext cx="110160" cy="800640"/>
           </a:xfrm>
           <a:prstGeom prst="bentConnector4">
             <a:avLst>
-              <a:gd name="adj1" fmla="val -242950"/>
-              <a:gd name="adj2" fmla="val 71467"/>
+              <a:gd name="adj1" fmla="val -86557"/>
+              <a:gd name="adj2" fmla="val 71434"/>
             </a:avLst>
           </a:prstGeom>
           <a:ln w="0">
@@ -8297,7 +8287,7 @@
         <p:spPr>
           <a:xfrm>
             <a:off x="7086600" y="1828440"/>
-            <a:ext cx="1881360" cy="456480"/>
+            <a:ext cx="1881000" cy="456120"/>
           </a:xfrm>
           <a:prstGeom prst="flowChartDecision">
             <a:avLst/>
@@ -8331,7 +8321,7 @@
             <a:noAutofit/>
           </a:bodyPr>
           <a:p>
-            <a:pPr algn="ctr" defTabSz="914400">
+            <a:pPr algn="ctr">
               <a:lnSpc>
                 <a:spcPct val="100000"/>
               </a:lnSpc>
@@ -8365,7 +8355,7 @@
         </p:nvCxnSpPr>
         <p:spPr>
           <a:xfrm>
-            <a:off x="6596280" y="1595160"/>
+            <a:off x="6595920" y="1595160"/>
             <a:ext cx="1431360" cy="233640"/>
           </a:xfrm>
           <a:prstGeom prst="bentConnector2">
@@ -8387,8 +8377,8 @@
         </p:nvSpPr>
         <p:spPr>
           <a:xfrm>
-            <a:off x="3886200" y="2286000"/>
-            <a:ext cx="2514240" cy="685080"/>
+            <a:off x="3657600" y="2514600"/>
+            <a:ext cx="2513880" cy="684720"/>
           </a:xfrm>
           <a:prstGeom prst="parallelogram">
             <a:avLst>
@@ -8424,7 +8414,7 @@
             <a:noAutofit/>
           </a:bodyPr>
           <a:p>
-            <a:pPr algn="ctr" defTabSz="914400">
+            <a:pPr algn="ctr">
               <a:lnSpc>
                 <a:spcPct val="100000"/>
               </a:lnSpc>
@@ -8458,7 +8448,7 @@
         </p:nvCxnSpPr>
         <p:spPr>
           <a:xfrm>
-            <a:off x="7086600" y="2056680"/>
+            <a:off x="7086600" y="2056320"/>
             <a:ext cx="360" cy="360"/>
           </a:xfrm>
           <a:prstGeom prst="straightConnector1">
@@ -8484,7 +8474,7 @@
         </p:nvCxnSpPr>
         <p:spPr>
           <a:xfrm>
-            <a:off x="7086600" y="2056680"/>
+            <a:off x="7086600" y="2056320"/>
             <a:ext cx="360" cy="360"/>
           </a:xfrm>
           <a:prstGeom prst="straightConnector1">
@@ -8510,8 +8500,8 @@
         </p:nvCxnSpPr>
         <p:spPr>
           <a:xfrm flipH="1">
-            <a:off x="3886200" y="2056680"/>
-            <a:ext cx="3200760" cy="572040"/>
+            <a:off x="5000040" y="2056320"/>
+            <a:ext cx="2086920" cy="458640"/>
           </a:xfrm>
           <a:prstGeom prst="straightConnector1">
             <a:avLst/>
@@ -8535,8 +8525,8 @@
         </p:nvCxnSpPr>
         <p:spPr>
           <a:xfrm flipH="1" flipV="1">
-            <a:off x="1108440" y="1942920"/>
-            <a:ext cx="2863440" cy="686160"/>
+            <a:off x="1108080" y="1942560"/>
+            <a:ext cx="2635200" cy="914760"/>
           </a:xfrm>
           <a:prstGeom prst="straightConnector1">
             <a:avLst/>
@@ -8558,7 +8548,7 @@
         <p:spPr>
           <a:xfrm>
             <a:off x="7721280" y="2743560"/>
-            <a:ext cx="1193760" cy="685080"/>
+            <a:ext cx="1193400" cy="684720"/>
           </a:xfrm>
           <a:prstGeom prst="parallelogram">
             <a:avLst>
@@ -8594,7 +8584,7 @@
             <a:noAutofit/>
           </a:bodyPr>
           <a:p>
-            <a:pPr algn="ctr" defTabSz="914400">
+            <a:pPr algn="ctr">
               <a:lnSpc>
                 <a:spcPct val="100000"/>
               </a:lnSpc>
@@ -8628,8 +8618,8 @@
         </p:nvCxnSpPr>
         <p:spPr>
           <a:xfrm flipH="1">
-            <a:off x="8403840" y="2056680"/>
-            <a:ext cx="564480" cy="687240"/>
+            <a:off x="8403480" y="2056320"/>
+            <a:ext cx="564480" cy="687600"/>
           </a:xfrm>
           <a:prstGeom prst="straightConnector1">
             <a:avLst/>
@@ -8646,15 +8636,15 @@
         <p:nvCxnSpPr>
           <p:cNvPr id="116" name=""/>
           <p:cNvCxnSpPr>
-            <a:stCxn id="97" idx="-1"/>
+            <a:stCxn id="97" idx="4294967295"/>
             <a:endCxn id="98" idx="1"/>
           </p:cNvCxnSpPr>
           <p:nvPr/>
         </p:nvCxnSpPr>
         <p:spPr>
           <a:xfrm>
-            <a:off x="3710160" y="3885480"/>
-            <a:ext cx="3507840" cy="1177920"/>
+            <a:off x="3709800" y="3885120"/>
+            <a:ext cx="3508200" cy="1178280"/>
           </a:xfrm>
           <a:prstGeom prst="straightConnector1">
             <a:avLst/>
@@ -8678,8 +8668,8 @@
         </p:nvCxnSpPr>
         <p:spPr>
           <a:xfrm flipV="1">
-            <a:off x="3368880" y="5440320"/>
-            <a:ext cx="3636360" cy="331200"/>
+            <a:off x="3368520" y="5439960"/>
+            <a:ext cx="3636720" cy="331560"/>
           </a:xfrm>
           <a:prstGeom prst="straightConnector1">
             <a:avLst/>
@@ -8703,8 +8693,8 @@
         </p:nvCxnSpPr>
         <p:spPr>
           <a:xfrm flipH="1">
-            <a:off x="7731360" y="3428640"/>
-            <a:ext cx="587160" cy="1478880"/>
+            <a:off x="7731360" y="3428280"/>
+            <a:ext cx="587160" cy="1479240"/>
           </a:xfrm>
           <a:prstGeom prst="straightConnector1">
             <a:avLst/>
@@ -8728,13 +8718,13 @@
         </p:nvCxnSpPr>
         <p:spPr>
           <a:xfrm flipH="1" rot="10800000">
-            <a:off x="456840" y="3428280"/>
-            <a:ext cx="2312640" cy="2342880"/>
+            <a:off x="457200" y="3428280"/>
+            <a:ext cx="2312280" cy="2342880"/>
           </a:xfrm>
           <a:prstGeom prst="bentConnector4">
             <a:avLst>
-              <a:gd name="adj1" fmla="val -7800"/>
-              <a:gd name="adj2" fmla="val 107684"/>
+              <a:gd name="adj1" fmla="val -436"/>
+              <a:gd name="adj2" fmla="val 100430"/>
             </a:avLst>
           </a:prstGeom>
           <a:ln w="0">
@@ -8784,7 +8774,7 @@
         <p:spPr>
           <a:xfrm>
             <a:off x="228600" y="152280"/>
-            <a:ext cx="761400" cy="456480"/>
+            <a:ext cx="761040" cy="456120"/>
           </a:xfrm>
           <a:prstGeom prst="ellipse">
             <a:avLst/>
@@ -8818,7 +8808,7 @@
             <a:noAutofit/>
           </a:bodyPr>
           <a:p>
-            <a:pPr algn="ctr" defTabSz="914400">
+            <a:pPr algn="ctr">
               <a:lnSpc>
                 <a:spcPct val="100000"/>
               </a:lnSpc>
@@ -8850,7 +8840,7 @@
         <p:spPr>
           <a:xfrm>
             <a:off x="4648320" y="3247560"/>
-            <a:ext cx="1138320" cy="913680"/>
+            <a:ext cx="1137960" cy="913320"/>
           </a:xfrm>
           <a:prstGeom prst="ellipse">
             <a:avLst/>
@@ -8884,7 +8874,7 @@
             <a:noAutofit/>
           </a:bodyPr>
           <a:p>
-            <a:pPr algn="ctr" defTabSz="914400">
+            <a:pPr algn="ctr">
               <a:lnSpc>
                 <a:spcPct val="100000"/>
               </a:lnSpc>
@@ -8916,7 +8906,7 @@
         <p:spPr>
           <a:xfrm>
             <a:off x="1143000" y="217080"/>
-            <a:ext cx="837360" cy="685080"/>
+            <a:ext cx="837000" cy="684720"/>
           </a:xfrm>
           <a:prstGeom prst="flowChartManualInput">
             <a:avLst/>
@@ -8950,7 +8940,7 @@
             <a:noAutofit/>
           </a:bodyPr>
           <a:p>
-            <a:pPr algn="ctr" defTabSz="914400">
+            <a:pPr algn="ctr">
               <a:lnSpc>
                 <a:spcPct val="100000"/>
               </a:lnSpc>
@@ -8981,8 +8971,8 @@
         </p:nvSpPr>
         <p:spPr>
           <a:xfrm>
-            <a:off x="479520" y="1999080"/>
-            <a:ext cx="2056680" cy="761400"/>
+            <a:off x="457200" y="1982160"/>
+            <a:ext cx="2056320" cy="761040"/>
           </a:xfrm>
           <a:prstGeom prst="flowChartDecision">
             <a:avLst/>
@@ -9016,7 +9006,7 @@
             <a:noAutofit/>
           </a:bodyPr>
           <a:p>
-            <a:pPr algn="ctr" defTabSz="914400">
+            <a:pPr algn="ctr">
               <a:lnSpc>
                 <a:spcPct val="100000"/>
               </a:lnSpc>
@@ -9048,7 +9038,7 @@
         <p:spPr>
           <a:xfrm>
             <a:off x="457200" y="2837520"/>
-            <a:ext cx="2056680" cy="761400"/>
+            <a:ext cx="2056320" cy="761040"/>
           </a:xfrm>
           <a:prstGeom prst="flowChartDecision">
             <a:avLst/>
@@ -9082,7 +9072,7 @@
             <a:noAutofit/>
           </a:bodyPr>
           <a:p>
-            <a:pPr algn="ctr" defTabSz="914400">
+            <a:pPr algn="ctr">
               <a:lnSpc>
                 <a:spcPct val="100000"/>
               </a:lnSpc>
@@ -9114,7 +9104,7 @@
         <p:spPr>
           <a:xfrm>
             <a:off x="449280" y="3704760"/>
-            <a:ext cx="2056680" cy="761400"/>
+            <a:ext cx="2056320" cy="761040"/>
           </a:xfrm>
           <a:prstGeom prst="flowChartDecision">
             <a:avLst/>
@@ -9148,7 +9138,7 @@
             <a:noAutofit/>
           </a:bodyPr>
           <a:p>
-            <a:pPr algn="ctr" defTabSz="914400">
+            <a:pPr algn="ctr">
               <a:lnSpc>
                 <a:spcPct val="100000"/>
               </a:lnSpc>
@@ -9181,13 +9171,13 @@
           <p:nvPr/>
         </p:nvCxnSpPr>
         <p:spPr>
-          <a:xfrm flipV="1" rot="10800000">
-            <a:off x="457200" y="2379240"/>
-            <a:ext cx="22680" cy="838800"/>
+          <a:xfrm rot="10800000">
+            <a:off x="457200" y="2362680"/>
+            <a:ext cx="360" cy="855720"/>
           </a:xfrm>
           <a:prstGeom prst="bentConnector3">
             <a:avLst>
-              <a:gd name="adj1" fmla="val 1127419"/>
+              <a:gd name="adj1" fmla="val -2700000"/>
             </a:avLst>
           </a:prstGeom>
           <a:ln w="0">
@@ -9214,7 +9204,7 @@
           </a:xfrm>
           <a:prstGeom prst="bentConnector3">
             <a:avLst>
-              <a:gd name="adj1" fmla="val 3250000"/>
+              <a:gd name="adj1" fmla="val 222727"/>
             </a:avLst>
           </a:prstGeom>
           <a:ln w="0">
@@ -9234,7 +9224,7 @@
         <p:spPr>
           <a:xfrm>
             <a:off x="2819520" y="300240"/>
-            <a:ext cx="2142000" cy="423000"/>
+            <a:ext cx="2141640" cy="422640"/>
           </a:xfrm>
           <a:prstGeom prst="rect">
             <a:avLst/>
@@ -9268,7 +9258,7 @@
             <a:noAutofit/>
           </a:bodyPr>
           <a:p>
-            <a:pPr algn="ctr" defTabSz="914400">
+            <a:pPr algn="ctr">
               <a:lnSpc>
                 <a:spcPct val="100000"/>
               </a:lnSpc>
@@ -9300,7 +9290,7 @@
         <p:spPr>
           <a:xfrm>
             <a:off x="2810520" y="799920"/>
-            <a:ext cx="2142000" cy="423000"/>
+            <a:ext cx="2141640" cy="422640"/>
           </a:xfrm>
           <a:prstGeom prst="rect">
             <a:avLst/>
@@ -9334,7 +9324,7 @@
             <a:noAutofit/>
           </a:bodyPr>
           <a:p>
-            <a:pPr algn="ctr" defTabSz="914400">
+            <a:pPr algn="ctr">
               <a:lnSpc>
                 <a:spcPct val="100000"/>
               </a:lnSpc>
@@ -9366,7 +9356,7 @@
         <p:spPr>
           <a:xfrm>
             <a:off x="2819520" y="1308240"/>
-            <a:ext cx="2133000" cy="423000"/>
+            <a:ext cx="2132640" cy="422640"/>
           </a:xfrm>
           <a:prstGeom prst="rect">
             <a:avLst/>
@@ -9400,7 +9390,7 @@
             <a:noAutofit/>
           </a:bodyPr>
           <a:p>
-            <a:pPr algn="ctr" defTabSz="914400">
+            <a:pPr algn="ctr">
               <a:lnSpc>
                 <a:spcPct val="100000"/>
               </a:lnSpc>
@@ -9432,7 +9422,7 @@
         <p:spPr>
           <a:xfrm>
             <a:off x="5277240" y="560160"/>
-            <a:ext cx="1142280" cy="423000"/>
+            <a:ext cx="1141920" cy="422640"/>
           </a:xfrm>
           <a:prstGeom prst="rect">
             <a:avLst/>
@@ -9466,7 +9456,7 @@
             <a:noAutofit/>
           </a:bodyPr>
           <a:p>
-            <a:pPr algn="ctr" defTabSz="914400">
+            <a:pPr algn="ctr">
               <a:lnSpc>
                 <a:spcPct val="100000"/>
               </a:lnSpc>
@@ -9504,7 +9494,7 @@
           </a:xfrm>
           <a:prstGeom prst="bentConnector3">
             <a:avLst>
-              <a:gd name="adj1" fmla="val 0"/>
+              <a:gd name="adj1" fmla="val 47644"/>
             </a:avLst>
           </a:prstGeom>
           <a:ln w="0">
@@ -9526,12 +9516,12 @@
         </p:nvCxnSpPr>
         <p:spPr>
           <a:xfrm flipV="1">
-            <a:off x="4952520" y="771480"/>
-            <a:ext cx="325080" cy="240120"/>
+            <a:off x="4952160" y="771480"/>
+            <a:ext cx="325440" cy="240120"/>
           </a:xfrm>
           <a:prstGeom prst="bentConnector3">
             <a:avLst>
-              <a:gd name="adj1" fmla="val 50110"/>
+              <a:gd name="adj1" fmla="val 49944"/>
             </a:avLst>
           </a:prstGeom>
           <a:ln w="0">
@@ -9553,8 +9543,8 @@
         </p:nvCxnSpPr>
         <p:spPr>
           <a:xfrm flipV="1">
-            <a:off x="4952520" y="983160"/>
-            <a:ext cx="896040" cy="536760"/>
+            <a:off x="4952160" y="982800"/>
+            <a:ext cx="896400" cy="537120"/>
           </a:xfrm>
           <a:prstGeom prst="bentConnector2">
             <a:avLst/>
@@ -9576,7 +9566,7 @@
         <p:spPr>
           <a:xfrm>
             <a:off x="6362280" y="983520"/>
-            <a:ext cx="1980360" cy="761400"/>
+            <a:ext cx="1980000" cy="761040"/>
           </a:xfrm>
           <a:prstGeom prst="flowChartDecision">
             <a:avLst/>
@@ -9610,7 +9600,7 @@
             <a:noAutofit/>
           </a:bodyPr>
           <a:p>
-            <a:pPr algn="ctr" defTabSz="914400">
+            <a:pPr algn="ctr">
               <a:lnSpc>
                 <a:spcPct val="100000"/>
               </a:lnSpc>
@@ -9644,8 +9634,8 @@
         </p:nvCxnSpPr>
         <p:spPr>
           <a:xfrm>
-            <a:off x="6419520" y="771480"/>
-            <a:ext cx="933120" cy="212400"/>
+            <a:off x="6419160" y="771480"/>
+            <a:ext cx="933480" cy="212400"/>
           </a:xfrm>
           <a:prstGeom prst="bentConnector2">
             <a:avLst/>
@@ -9667,7 +9657,7 @@
         <p:spPr>
           <a:xfrm>
             <a:off x="7620120" y="2355480"/>
-            <a:ext cx="1142280" cy="423000"/>
+            <a:ext cx="1141920" cy="422640"/>
           </a:xfrm>
           <a:prstGeom prst="rect">
             <a:avLst/>
@@ -9701,7 +9691,7 @@
             <a:noAutofit/>
           </a:bodyPr>
           <a:p>
-            <a:pPr algn="ctr" defTabSz="914400">
+            <a:pPr algn="ctr">
               <a:lnSpc>
                 <a:spcPct val="100000"/>
               </a:lnSpc>
@@ -9736,12 +9726,12 @@
         <p:spPr>
           <a:xfrm flipH="1" flipV="1" rot="5400000">
             <a:off x="851400" y="317160"/>
-            <a:ext cx="49680" cy="533880"/>
+            <a:ext cx="49320" cy="534240"/>
           </a:xfrm>
           <a:prstGeom prst="bentConnector4">
             <a:avLst>
-              <a:gd name="adj1" fmla="val 725547"/>
-              <a:gd name="adj2" fmla="val 85627"/>
+              <a:gd name="adj1" fmla="val -19852"/>
+              <a:gd name="adj2" fmla="val 85637"/>
             </a:avLst>
           </a:prstGeom>
           <a:ln w="0">
@@ -9762,13 +9752,13 @@
           <p:nvPr/>
         </p:nvCxnSpPr>
         <p:spPr>
-          <a:xfrm flipV="1" rot="10800000">
-            <a:off x="8190720" y="1364040"/>
-            <a:ext cx="151920" cy="991800"/>
+          <a:xfrm flipH="1">
+            <a:off x="8191080" y="1364040"/>
+            <a:ext cx="151560" cy="991800"/>
           </a:xfrm>
           <a:prstGeom prst="bentConnector4">
             <a:avLst>
-              <a:gd name="adj1" fmla="val 377672"/>
+              <a:gd name="adj1" fmla="val -6666"/>
               <a:gd name="adj2" fmla="val 69208"/>
             </a:avLst>
           </a:prstGeom>
@@ -9791,13 +9781,13 @@
         </p:nvCxnSpPr>
         <p:spPr>
           <a:xfrm flipH="1" flipV="1">
-            <a:off x="609480" y="152280"/>
+            <a:off x="609120" y="152280"/>
             <a:ext cx="8153280" cy="2414880"/>
           </a:xfrm>
           <a:prstGeom prst="bentConnector4">
             <a:avLst>
-              <a:gd name="adj1" fmla="val -2808"/>
-              <a:gd name="adj2" fmla="val 100998"/>
+              <a:gd name="adj1" fmla="val -119"/>
+              <a:gd name="adj2" fmla="val 100417"/>
             </a:avLst>
           </a:prstGeom>
           <a:ln w="0">
@@ -9817,7 +9807,7 @@
         <p:spPr>
           <a:xfrm>
             <a:off x="5715000" y="2340720"/>
-            <a:ext cx="1294560" cy="495720"/>
+            <a:ext cx="1294200" cy="495360"/>
           </a:xfrm>
           <a:prstGeom prst="rect">
             <a:avLst/>
@@ -9851,7 +9841,7 @@
             <a:noAutofit/>
           </a:bodyPr>
           <a:p>
-            <a:pPr algn="ctr" defTabSz="914400">
+            <a:pPr algn="ctr">
               <a:lnSpc>
                 <a:spcPct val="100000"/>
               </a:lnSpc>
@@ -9884,12 +9874,15 @@
           <p:nvPr/>
         </p:nvCxnSpPr>
         <p:spPr>
-          <a:xfrm rot="16200000">
-            <a:off x="5874120" y="1852200"/>
-            <a:ext cx="977040" cy="360"/>
-          </a:xfrm>
-          <a:prstGeom prst="bentConnector2">
-            <a:avLst/>
+          <a:xfrm flipV="1" rot="10800000">
+            <a:off x="6361560" y="1363680"/>
+            <a:ext cx="720" cy="977040"/>
+          </a:xfrm>
+          <a:prstGeom prst="bentConnector4">
+            <a:avLst>
+              <a:gd name="adj1" fmla="val 56900000"/>
+              <a:gd name="adj2" fmla="val 69517"/>
+            </a:avLst>
           </a:prstGeom>
           <a:ln w="0">
             <a:solidFill>
@@ -9910,13 +9903,13 @@
         </p:nvCxnSpPr>
         <p:spPr>
           <a:xfrm flipV="1" rot="16200000">
-            <a:off x="2067480" y="-1458360"/>
-            <a:ext cx="2456280" cy="6134040"/>
+            <a:off x="2067480" y="-1458720"/>
+            <a:ext cx="2455920" cy="6133680"/>
           </a:xfrm>
           <a:prstGeom prst="bentConnector4">
             <a:avLst>
-              <a:gd name="adj1" fmla="val -80137"/>
-              <a:gd name="adj2" fmla="val 101754"/>
+              <a:gd name="adj1" fmla="val -395"/>
+              <a:gd name="adj2" fmla="val 100158"/>
             </a:avLst>
           </a:prstGeom>
           <a:ln w="0">
@@ -9935,8 +9928,8 @@
         </p:nvSpPr>
         <p:spPr>
           <a:xfrm>
-            <a:off x="660600" y="1139040"/>
-            <a:ext cx="1694160" cy="765360"/>
+            <a:off x="769320" y="1139040"/>
+            <a:ext cx="1745280" cy="765000"/>
           </a:xfrm>
           <a:prstGeom prst="flowChartDecision">
             <a:avLst/>
@@ -9970,7 +9963,7 @@
             <a:noAutofit/>
           </a:bodyPr>
           <a:p>
-            <a:pPr algn="ctr" defTabSz="914400">
+            <a:pPr algn="ctr">
               <a:lnSpc>
                 <a:spcPct val="100000"/>
               </a:lnSpc>
@@ -9995,34 +9988,7 @@
       </p:sp>
       <p:cxnSp>
         <p:nvCxnSpPr>
-          <p:cNvPr id="145" name="178 Conector angular"/>
-          <p:cNvCxnSpPr>
-            <a:stCxn id="144" idx="1"/>
-            <a:endCxn id="123" idx="1"/>
-          </p:cNvCxnSpPr>
-          <p:nvPr/>
-        </p:nvCxnSpPr>
-        <p:spPr>
-          <a:xfrm flipV="1" rot="10800000">
-            <a:off x="479160" y="1521360"/>
-            <a:ext cx="181440" cy="858240"/>
-          </a:xfrm>
-          <a:prstGeom prst="bentConnector3">
-            <a:avLst>
-              <a:gd name="adj1" fmla="val 226838"/>
-            </a:avLst>
-          </a:prstGeom>
-          <a:ln w="0">
-            <a:solidFill>
-              <a:srgbClr val="249cc0"/>
-            </a:solidFill>
-            <a:tailEnd len="med" type="arrow" w="med"/>
-          </a:ln>
-        </p:spPr>
-      </p:cxnSp>
-      <p:cxnSp>
-        <p:nvCxnSpPr>
-          <p:cNvPr id="146" name="180 Conector angular"/>
+          <p:cNvPr id="145" name="180 Conector angular"/>
           <p:cNvCxnSpPr>
             <a:stCxn id="122" idx="2"/>
             <a:endCxn id="144" idx="0"/>
@@ -10030,13 +9996,13 @@
           <p:nvPr/>
         </p:nvCxnSpPr>
         <p:spPr>
-          <a:xfrm rot="5400000">
-            <a:off x="1416240" y="993600"/>
-            <a:ext cx="237240" cy="54360"/>
+          <a:xfrm flipH="1" rot="16200000">
+            <a:off x="1483200" y="979920"/>
+            <a:ext cx="237600" cy="81000"/>
           </a:xfrm>
           <a:prstGeom prst="bentConnector3">
             <a:avLst>
-              <a:gd name="adj1" fmla="val 50000"/>
+              <a:gd name="adj1" fmla="val 50075"/>
             </a:avLst>
           </a:prstGeom>
           <a:ln w="0">
@@ -10049,7 +10015,7 @@
       </p:cxnSp>
       <p:cxnSp>
         <p:nvCxnSpPr>
-          <p:cNvPr id="147" name="184 Conector angular"/>
+          <p:cNvPr id="146" name="184 Conector angular"/>
           <p:cNvCxnSpPr>
             <a:stCxn id="123" idx="3"/>
             <a:endCxn id="128" idx="1"/>
@@ -10058,12 +10024,12 @@
         </p:nvCxnSpPr>
         <p:spPr>
           <a:xfrm flipV="1">
-            <a:off x="2536200" y="511560"/>
-            <a:ext cx="283680" cy="1868400"/>
+            <a:off x="2513520" y="511560"/>
+            <a:ext cx="306360" cy="1851480"/>
           </a:xfrm>
           <a:prstGeom prst="bentConnector3">
             <a:avLst>
-              <a:gd name="adj1" fmla="val 26556"/>
+              <a:gd name="adj1" fmla="val 50000"/>
             </a:avLst>
           </a:prstGeom>
           <a:ln w="0">
@@ -10076,7 +10042,7 @@
       </p:cxnSp>
       <p:cxnSp>
         <p:nvCxnSpPr>
-          <p:cNvPr id="148" name="187 Conector angular"/>
+          <p:cNvPr id="147" name="187 Conector angular"/>
           <p:cNvCxnSpPr>
             <a:stCxn id="124" idx="3"/>
             <a:endCxn id="129" idx="1"/>
@@ -10085,12 +10051,12 @@
         </p:nvCxnSpPr>
         <p:spPr>
           <a:xfrm flipV="1">
-            <a:off x="2513880" y="1011240"/>
-            <a:ext cx="297000" cy="2207160"/>
+            <a:off x="2513520" y="1011240"/>
+            <a:ext cx="297360" cy="2207160"/>
           </a:xfrm>
           <a:prstGeom prst="bentConnector3">
             <a:avLst>
-              <a:gd name="adj1" fmla="val 66140"/>
+              <a:gd name="adj1" fmla="val 50060"/>
             </a:avLst>
           </a:prstGeom>
           <a:ln w="0">
@@ -10103,7 +10069,7 @@
       </p:cxnSp>
       <p:cxnSp>
         <p:nvCxnSpPr>
-          <p:cNvPr id="149" name="191 Conector angular"/>
+          <p:cNvPr id="148" name="191 Conector angular"/>
           <p:cNvCxnSpPr>
             <a:stCxn id="125" idx="3"/>
             <a:endCxn id="130" idx="2"/>
@@ -10112,8 +10078,8 @@
         </p:nvCxnSpPr>
         <p:spPr>
           <a:xfrm flipV="1">
-            <a:off x="2505960" y="1731240"/>
-            <a:ext cx="1380240" cy="2354400"/>
+            <a:off x="2505600" y="1730880"/>
+            <a:ext cx="1380600" cy="2354760"/>
           </a:xfrm>
           <a:prstGeom prst="bentConnector2">
             <a:avLst/>
@@ -10128,7 +10094,7 @@
       </p:cxnSp>
       <p:cxnSp>
         <p:nvCxnSpPr>
-          <p:cNvPr id="150" name="193 Conector recto de flecha"/>
+          <p:cNvPr id="149" name="193 Conector recto de flecha"/>
           <p:cNvCxnSpPr>
             <a:stCxn id="144" idx="3"/>
             <a:endCxn id="121" idx="0"/>
@@ -10137,8 +10103,8 @@
         </p:nvCxnSpPr>
         <p:spPr>
           <a:xfrm>
-            <a:off x="2354760" y="1521720"/>
-            <a:ext cx="2863080" cy="1726200"/>
+            <a:off x="2514600" y="1521360"/>
+            <a:ext cx="2703240" cy="1726560"/>
           </a:xfrm>
           <a:prstGeom prst="straightConnector1">
             <a:avLst/>
@@ -10153,14 +10119,14 @@
       </p:cxnSp>
       <p:sp>
         <p:nvSpPr>
-          <p:cNvPr id="151" name="4 CuadroTexto"/>
+          <p:cNvPr id="150" name="4 CuadroTexto"/>
           <p:cNvSpPr/>
           <p:nvPr/>
         </p:nvSpPr>
         <p:spPr>
           <a:xfrm>
             <a:off x="762120" y="4941360"/>
-            <a:ext cx="1319760" cy="363960"/>
+            <a:ext cx="1319400" cy="363960"/>
           </a:xfrm>
           <a:prstGeom prst="rect">
             <a:avLst/>
@@ -10183,7 +10149,7 @@
             <a:spAutoFit/>
           </a:bodyPr>
           <a:p>
-            <a:pPr algn="ctr" defTabSz="914400">
+            <a:pPr algn="ctr">
               <a:lnSpc>
                 <a:spcPct val="100000"/>
               </a:lnSpc>
@@ -10208,14 +10174,14 @@
       </p:sp>
       <p:sp>
         <p:nvSpPr>
-          <p:cNvPr id="152" name="35 CuadroTexto"/>
+          <p:cNvPr id="151" name="35 CuadroTexto"/>
           <p:cNvSpPr/>
           <p:nvPr/>
         </p:nvSpPr>
         <p:spPr>
           <a:xfrm>
             <a:off x="4025880" y="1951560"/>
-            <a:ext cx="1319760" cy="363960"/>
+            <a:ext cx="1319400" cy="363960"/>
           </a:xfrm>
           <a:prstGeom prst="rect">
             <a:avLst/>
@@ -10238,7 +10204,7 @@
             <a:spAutoFit/>
           </a:bodyPr>
           <a:p>
-            <a:pPr algn="ctr" defTabSz="914400">
+            <a:pPr algn="ctr">
               <a:lnSpc>
                 <a:spcPct val="100000"/>
               </a:lnSpc>
@@ -10263,14 +10229,14 @@
       </p:sp>
       <p:sp>
         <p:nvSpPr>
-          <p:cNvPr id="153" name="36 CuadroTexto"/>
+          <p:cNvPr id="152" name="36 CuadroTexto"/>
           <p:cNvSpPr/>
           <p:nvPr/>
         </p:nvSpPr>
         <p:spPr>
           <a:xfrm>
             <a:off x="6890040" y="276480"/>
-            <a:ext cx="1319760" cy="363960"/>
+            <a:ext cx="1319400" cy="363960"/>
           </a:xfrm>
           <a:prstGeom prst="rect">
             <a:avLst/>
@@ -10293,7 +10259,7 @@
             <a:spAutoFit/>
           </a:bodyPr>
           <a:p>
-            <a:pPr algn="ctr" defTabSz="914400">
+            <a:pPr algn="ctr">
               <a:lnSpc>
                 <a:spcPct val="100000"/>
               </a:lnSpc>
@@ -10318,7 +10284,7 @@
       </p:sp>
       <p:sp>
         <p:nvSpPr>
-          <p:cNvPr id="154" name="PlaceHolder 1"/>
+          <p:cNvPr id="153" name="PlaceHolder 1"/>
           <p:cNvSpPr>
             <a:spLocks noGrp="1"/>
           </p:cNvSpPr>
@@ -10329,7 +10295,7 @@
         <p:spPr>
           <a:xfrm>
             <a:off x="5486400" y="5638680"/>
-            <a:ext cx="3403080" cy="823680"/>
+            <a:ext cx="3402720" cy="823320"/>
           </a:xfrm>
           <a:prstGeom prst="rect">
             <a:avLst/>
@@ -10356,9 +10322,7 @@
             <a:r>
               <a:rPr b="0" lang="en-US" sz="4600" spc="-1" strike="noStrike" cap="all">
                 <a:solidFill>
-                  <a:schemeClr val="accent1">
-                    <a:tint val="63000"/>
-                  </a:schemeClr>
+                  <a:srgbClr val="b6cad1"/>
                 </a:solidFill>
                 <a:latin typeface="Franklin Gothic Book"/>
               </a:rPr>
@@ -10373,6 +10337,33 @@
           </a:p>
         </p:txBody>
       </p:sp>
+      <p:cxnSp>
+        <p:nvCxnSpPr>
+          <p:cNvPr id="154" name=""/>
+          <p:cNvCxnSpPr>
+            <a:stCxn id="144" idx="1"/>
+            <a:endCxn id="123" idx="0"/>
+          </p:cNvCxnSpPr>
+          <p:nvPr/>
+        </p:nvCxnSpPr>
+        <p:spPr>
+          <a:xfrm flipH="1" flipV="1" rot="10800000">
+            <a:off x="768960" y="1521360"/>
+            <a:ext cx="716400" cy="461160"/>
+          </a:xfrm>
+          <a:prstGeom prst="bentConnector4">
+            <a:avLst>
+              <a:gd name="adj1" fmla="val -11664"/>
+              <a:gd name="adj2" fmla="val 83046"/>
+            </a:avLst>
+          </a:prstGeom>
+          <a:ln w="0">
+            <a:solidFill>
+              <a:srgbClr val="32525d"/>
+            </a:solidFill>
+          </a:ln>
+        </p:spPr>
+      </p:cxnSp>
     </p:spTree>
   </p:cSld>
   <mc:AlternateContent>
@@ -10412,7 +10403,7 @@
         <p:spPr>
           <a:xfrm>
             <a:off x="380880" y="523440"/>
-            <a:ext cx="761400" cy="456480"/>
+            <a:ext cx="761040" cy="456120"/>
           </a:xfrm>
           <a:prstGeom prst="ellipse">
             <a:avLst/>
@@ -10446,7 +10437,7 @@
             <a:noAutofit/>
           </a:bodyPr>
           <a:p>
-            <a:pPr algn="ctr" defTabSz="914400">
+            <a:pPr algn="ctr">
               <a:lnSpc>
                 <a:spcPct val="100000"/>
               </a:lnSpc>
@@ -10482,7 +10473,7 @@
         <p:spPr>
           <a:xfrm>
             <a:off x="76320" y="6019920"/>
-            <a:ext cx="7466760" cy="837360"/>
+            <a:ext cx="7466400" cy="837000"/>
           </a:xfrm>
           <a:prstGeom prst="rect">
             <a:avLst/>
@@ -10533,7 +10524,7 @@
         <p:spPr>
           <a:xfrm>
             <a:off x="1600200" y="409320"/>
-            <a:ext cx="837360" cy="685080"/>
+            <a:ext cx="837000" cy="684720"/>
           </a:xfrm>
           <a:prstGeom prst="flowChartManualInput">
             <a:avLst/>
@@ -10567,7 +10558,7 @@
             <a:noAutofit/>
           </a:bodyPr>
           <a:p>
-            <a:pPr algn="ctr" defTabSz="914400">
+            <a:pPr algn="ctr">
               <a:lnSpc>
                 <a:spcPct val="100000"/>
               </a:lnSpc>
@@ -10599,7 +10590,7 @@
         <p:spPr>
           <a:xfrm>
             <a:off x="3009960" y="171360"/>
-            <a:ext cx="2742480" cy="1161000"/>
+            <a:ext cx="2742120" cy="1160640"/>
           </a:xfrm>
           <a:prstGeom prst="rect">
             <a:avLst/>
@@ -10633,7 +10624,7 @@
             <a:noAutofit/>
           </a:bodyPr>
           <a:p>
-            <a:pPr algn="ctr" defTabSz="914400">
+            <a:pPr algn="ctr">
               <a:lnSpc>
                 <a:spcPct val="100000"/>
               </a:lnSpc>
@@ -10677,7 +10668,7 @@
         <p:spPr>
           <a:xfrm>
             <a:off x="4648320" y="1914480"/>
-            <a:ext cx="3580560" cy="532800"/>
+            <a:ext cx="3580200" cy="532440"/>
           </a:xfrm>
           <a:prstGeom prst="flowChartDecision">
             <a:avLst/>
@@ -10711,7 +10702,7 @@
             <a:noAutofit/>
           </a:bodyPr>
           <a:p>
-            <a:pPr algn="ctr" defTabSz="914400">
+            <a:pPr algn="ctr">
               <a:lnSpc>
                 <a:spcPct val="100000"/>
               </a:lnSpc>
@@ -10752,7 +10743,7 @@
         <p:spPr>
           <a:xfrm>
             <a:off x="4574160" y="2514600"/>
-            <a:ext cx="3580560" cy="532800"/>
+            <a:ext cx="3580200" cy="532440"/>
           </a:xfrm>
           <a:prstGeom prst="flowChartDecision">
             <a:avLst/>
@@ -10786,7 +10777,7 @@
             <a:noAutofit/>
           </a:bodyPr>
           <a:p>
-            <a:pPr algn="ctr" defTabSz="914400">
+            <a:pPr algn="ctr">
               <a:lnSpc>
                 <a:spcPct val="100000"/>
               </a:lnSpc>
@@ -10827,7 +10818,7 @@
         <p:spPr>
           <a:xfrm>
             <a:off x="4313160" y="3048120"/>
-            <a:ext cx="3580560" cy="532800"/>
+            <a:ext cx="3580200" cy="532440"/>
           </a:xfrm>
           <a:prstGeom prst="flowChartDecision">
             <a:avLst/>
@@ -10861,7 +10852,7 @@
             <a:noAutofit/>
           </a:bodyPr>
           <a:p>
-            <a:pPr algn="ctr" defTabSz="914400">
+            <a:pPr algn="ctr">
               <a:lnSpc>
                 <a:spcPct val="100000"/>
               </a:lnSpc>
@@ -10902,7 +10893,7 @@
         <p:spPr>
           <a:xfrm>
             <a:off x="762120" y="3581280"/>
-            <a:ext cx="4075920" cy="532800"/>
+            <a:ext cx="4075560" cy="532440"/>
           </a:xfrm>
           <a:prstGeom prst="flowChartDecision">
             <a:avLst/>
@@ -10936,7 +10927,7 @@
             <a:noAutofit/>
           </a:bodyPr>
           <a:p>
-            <a:pPr algn="ctr" defTabSz="914400">
+            <a:pPr algn="ctr">
               <a:lnSpc>
                 <a:spcPct val="100000"/>
               </a:lnSpc>
@@ -10979,7 +10970,7 @@
         </p:nvCxnSpPr>
         <p:spPr>
           <a:xfrm>
-            <a:off x="5752440" y="751680"/>
+            <a:off x="5752080" y="751680"/>
             <a:ext cx="686520" cy="1163160"/>
           </a:xfrm>
           <a:prstGeom prst="bentConnector2">
@@ -11002,7 +10993,7 @@
         <p:spPr>
           <a:xfrm>
             <a:off x="6705720" y="217080"/>
-            <a:ext cx="1809360" cy="913680"/>
+            <a:ext cx="1809000" cy="913320"/>
           </a:xfrm>
           <a:prstGeom prst="ellipse">
             <a:avLst/>
@@ -11036,7 +11027,7 @@
             <a:noAutofit/>
           </a:bodyPr>
           <a:p>
-            <a:pPr algn="ctr" defTabSz="914400">
+            <a:pPr algn="ctr">
               <a:lnSpc>
                 <a:spcPct val="100000"/>
               </a:lnSpc>
@@ -11070,12 +11061,12 @@
         </p:nvCxnSpPr>
         <p:spPr>
           <a:xfrm flipV="1" rot="10800000">
-            <a:off x="4574160" y="2180520"/>
+            <a:off x="4574160" y="2180160"/>
             <a:ext cx="74520" cy="600480"/>
           </a:xfrm>
           <a:prstGeom prst="bentConnector3">
             <a:avLst>
-              <a:gd name="adj1" fmla="val 408737"/>
+              <a:gd name="adj1" fmla="val 113592"/>
             </a:avLst>
           </a:prstGeom>
           <a:ln w="0">
@@ -11097,12 +11088,12 @@
         </p:nvCxnSpPr>
         <p:spPr>
           <a:xfrm flipV="1" rot="10800000">
-            <a:off x="4312800" y="2781000"/>
+            <a:off x="4312800" y="2780640"/>
             <a:ext cx="261360" cy="533880"/>
           </a:xfrm>
           <a:prstGeom prst="bentConnector3">
             <a:avLst>
-              <a:gd name="adj1" fmla="val 187862"/>
+              <a:gd name="adj1" fmla="val 103862"/>
             </a:avLst>
           </a:prstGeom>
           <a:ln w="0">
@@ -11124,12 +11115,12 @@
         </p:nvCxnSpPr>
         <p:spPr>
           <a:xfrm flipV="1" rot="10800000">
-            <a:off x="762120" y="3314160"/>
+            <a:off x="762120" y="3313800"/>
             <a:ext cx="3551400" cy="533520"/>
           </a:xfrm>
           <a:prstGeom prst="bentConnector3">
             <a:avLst>
-              <a:gd name="adj1" fmla="val 106437"/>
+              <a:gd name="adj1" fmla="val 100283"/>
             </a:avLst>
           </a:prstGeom>
           <a:ln w="0">
@@ -11149,7 +11140,7 @@
         <p:spPr>
           <a:xfrm>
             <a:off x="4443480" y="4909320"/>
-            <a:ext cx="1218600" cy="913680"/>
+            <a:ext cx="1218240" cy="913320"/>
           </a:xfrm>
           <a:prstGeom prst="roundRect">
             <a:avLst>
@@ -11185,7 +11176,7 @@
             <a:noAutofit/>
           </a:bodyPr>
           <a:p>
-            <a:pPr algn="ctr" defTabSz="914400">
+            <a:pPr algn="ctr">
               <a:lnSpc>
                 <a:spcPct val="100000"/>
               </a:lnSpc>
@@ -11218,14 +11209,14 @@
           <p:nvPr/>
         </p:nvCxnSpPr>
         <p:spPr>
-          <a:xfrm rot="10800000">
+          <a:xfrm flipH="1" flipV="1">
             <a:off x="7610400" y="1130400"/>
-            <a:ext cx="618840" cy="1050480"/>
+            <a:ext cx="618480" cy="1050480"/>
           </a:xfrm>
           <a:prstGeom prst="bentConnector4">
             <a:avLst>
-              <a:gd name="adj1" fmla="val 55413"/>
-              <a:gd name="adj2" fmla="val 62598"/>
+              <a:gd name="adj1" fmla="val -1572"/>
+              <a:gd name="adj2" fmla="val 62667"/>
             </a:avLst>
           </a:prstGeom>
           <a:ln w="0">
@@ -11247,12 +11238,12 @@
         </p:nvCxnSpPr>
         <p:spPr>
           <a:xfrm flipH="1">
-            <a:off x="5662080" y="2781000"/>
+            <a:off x="5661720" y="2780640"/>
             <a:ext cx="2493000" cy="2585520"/>
           </a:xfrm>
           <a:prstGeom prst="bentConnector3">
             <a:avLst>
-              <a:gd name="adj1" fmla="val -9199"/>
+              <a:gd name="adj1" fmla="val -389"/>
             </a:avLst>
           </a:prstGeom>
           <a:ln w="0">
@@ -11274,13 +11265,13 @@
         </p:nvCxnSpPr>
         <p:spPr>
           <a:xfrm flipH="1">
-            <a:off x="5052600" y="3314520"/>
-            <a:ext cx="2841480" cy="1595160"/>
+            <a:off x="5052600" y="3314160"/>
+            <a:ext cx="2841120" cy="1595520"/>
           </a:xfrm>
           <a:prstGeom prst="bentConnector4">
             <a:avLst>
-              <a:gd name="adj1" fmla="val -165154"/>
-              <a:gd name="adj2" fmla="val 58374"/>
+              <a:gd name="adj1" fmla="val -342"/>
+              <a:gd name="adj2" fmla="val 58338"/>
             </a:avLst>
           </a:prstGeom>
           <a:ln w="0">
@@ -11301,15 +11292,15 @@
           <p:nvPr/>
         </p:nvCxnSpPr>
         <p:spPr>
-          <a:xfrm flipV="1" rot="10800000">
-            <a:off x="4443480" y="3847680"/>
-            <a:ext cx="394920" cy="1518840"/>
+          <a:xfrm flipH="1">
+            <a:off x="4443480" y="3847320"/>
+            <a:ext cx="394560" cy="1518840"/>
           </a:xfrm>
           <a:prstGeom prst="bentConnector5">
             <a:avLst>
-              <a:gd name="adj1" fmla="val 359854"/>
-              <a:gd name="adj2" fmla="val 43764"/>
-              <a:gd name="adj3" fmla="val 776003"/>
+              <a:gd name="adj1" fmla="val -2465"/>
+              <a:gd name="adj2" fmla="val 43741"/>
+              <a:gd name="adj3" fmla="val 102465"/>
             </a:avLst>
           </a:prstGeom>
           <a:ln w="0">
@@ -11329,7 +11320,7 @@
         <p:spPr>
           <a:xfrm>
             <a:off x="724320" y="4468680"/>
-            <a:ext cx="2155680" cy="1185840"/>
+            <a:ext cx="2155320" cy="1185480"/>
           </a:xfrm>
           <a:prstGeom prst="round1Rect">
             <a:avLst>
@@ -11365,7 +11356,7 @@
             <a:noAutofit/>
           </a:bodyPr>
           <a:p>
-            <a:pPr algn="ctr" defTabSz="914400">
+            <a:pPr algn="ctr">
               <a:lnSpc>
                 <a:spcPct val="100000"/>
               </a:lnSpc>
@@ -11399,12 +11390,12 @@
         </p:nvCxnSpPr>
         <p:spPr>
           <a:xfrm flipV="1" rot="10800000">
-            <a:off x="723960" y="3847680"/>
+            <a:off x="723960" y="3847320"/>
             <a:ext cx="38160" cy="1214280"/>
           </a:xfrm>
           <a:prstGeom prst="bentConnector3">
             <a:avLst>
-              <a:gd name="adj1" fmla="val 711428"/>
+              <a:gd name="adj1" fmla="val 126666"/>
             </a:avLst>
           </a:prstGeom>
           <a:ln w="0">
@@ -11427,12 +11418,12 @@
         <p:spPr>
           <a:xfrm flipH="1" flipV="1" rot="5400000">
             <a:off x="2667960" y="-192240"/>
-            <a:ext cx="4980960" cy="6713280"/>
+            <a:ext cx="4980600" cy="6713280"/>
           </a:xfrm>
           <a:prstGeom prst="bentConnector4">
             <a:avLst>
-              <a:gd name="adj1" fmla="val -4589"/>
-              <a:gd name="adj2" fmla="val 103400"/>
+              <a:gd name="adj1" fmla="val -195"/>
+              <a:gd name="adj2" fmla="val 100144"/>
             </a:avLst>
           </a:prstGeom>
           <a:ln w="0">
@@ -11454,8 +11445,8 @@
         </p:nvCxnSpPr>
         <p:spPr>
           <a:xfrm>
-            <a:off x="2437560" y="751680"/>
-            <a:ext cx="572760" cy="360"/>
+            <a:off x="2437200" y="751680"/>
+            <a:ext cx="573120" cy="360"/>
           </a:xfrm>
           <a:prstGeom prst="straightConnector1">
             <a:avLst/>
@@ -11479,8 +11470,8 @@
         </p:nvCxnSpPr>
         <p:spPr>
           <a:xfrm>
-            <a:off x="1142280" y="751680"/>
-            <a:ext cx="458280" cy="360"/>
+            <a:off x="1141920" y="751680"/>
+            <a:ext cx="458640" cy="360"/>
           </a:xfrm>
           <a:prstGeom prst="straightConnector1">
             <a:avLst/>
@@ -11532,7 +11523,7 @@
         <p:spPr>
           <a:xfrm>
             <a:off x="380880" y="523440"/>
-            <a:ext cx="761400" cy="456480"/>
+            <a:ext cx="761040" cy="456120"/>
           </a:xfrm>
           <a:prstGeom prst="ellipse">
             <a:avLst/>
@@ -11566,7 +11557,7 @@
             <a:noAutofit/>
           </a:bodyPr>
           <a:p>
-            <a:pPr algn="ctr" defTabSz="914400">
+            <a:pPr algn="ctr">
               <a:lnSpc>
                 <a:spcPct val="100000"/>
               </a:lnSpc>
@@ -11598,7 +11589,7 @@
         <p:spPr>
           <a:xfrm>
             <a:off x="2057400" y="556200"/>
-            <a:ext cx="2285280" cy="1065960"/>
+            <a:ext cx="2284920" cy="1065600"/>
           </a:xfrm>
           <a:prstGeom prst="rect">
             <a:avLst/>
@@ -11632,7 +11623,7 @@
             <a:noAutofit/>
           </a:bodyPr>
           <a:p>
-            <a:pPr algn="ctr" defTabSz="914400">
+            <a:pPr algn="ctr">
               <a:lnSpc>
                 <a:spcPct val="100000"/>
               </a:lnSpc>
@@ -11666,11 +11657,14 @@
         </p:nvCxnSpPr>
         <p:spPr>
           <a:xfrm flipV="1">
-            <a:off x="1142640" y="556200"/>
-            <a:ext cx="2058120" cy="196560"/>
-          </a:xfrm>
-          <a:prstGeom prst="bentConnector2">
-            <a:avLst/>
+            <a:off x="1141920" y="556200"/>
+            <a:ext cx="2058120" cy="195840"/>
+          </a:xfrm>
+          <a:prstGeom prst="bentConnector4">
+            <a:avLst>
+              <a:gd name="adj1" fmla="val 72043"/>
+              <a:gd name="adj2" fmla="val 104972"/>
+            </a:avLst>
           </a:prstGeom>
           <a:ln w="0">
             <a:solidFill>
@@ -11689,7 +11683,7 @@
         <p:spPr>
           <a:xfrm>
             <a:off x="846720" y="2057400"/>
-            <a:ext cx="3833640" cy="761400"/>
+            <a:ext cx="3833280" cy="761040"/>
           </a:xfrm>
           <a:prstGeom prst="flowChartDecision">
             <a:avLst/>
@@ -11723,7 +11717,7 @@
             <a:noAutofit/>
           </a:bodyPr>
           <a:p>
-            <a:pPr algn="ctr" defTabSz="914400">
+            <a:pPr algn="ctr">
               <a:lnSpc>
                 <a:spcPct val="100000"/>
               </a:lnSpc>
@@ -11756,12 +11750,14 @@
           <p:nvPr/>
         </p:nvCxnSpPr>
         <p:spPr>
-          <a:xfrm flipV="1" rot="10800000">
-            <a:off x="2763360" y="1622160"/>
-            <a:ext cx="437040" cy="435600"/>
-          </a:xfrm>
-          <a:prstGeom prst="bentConnector2">
-            <a:avLst/>
+          <a:xfrm rot="5400000">
+            <a:off x="2763720" y="1621440"/>
+            <a:ext cx="435960" cy="436680"/>
+          </a:xfrm>
+          <a:prstGeom prst="bentConnector3">
+            <a:avLst>
+              <a:gd name="adj1" fmla="val 98925"/>
+            </a:avLst>
           </a:prstGeom>
           <a:ln w="0">
             <a:solidFill>
@@ -11780,7 +11776,7 @@
         <p:spPr>
           <a:xfrm>
             <a:off x="1012320" y="3124080"/>
-            <a:ext cx="3833640" cy="761400"/>
+            <a:ext cx="3833280" cy="761040"/>
           </a:xfrm>
           <a:prstGeom prst="flowChartDecision">
             <a:avLst/>
@@ -11814,7 +11810,7 @@
             <a:noAutofit/>
           </a:bodyPr>
           <a:p>
-            <a:pPr algn="ctr" defTabSz="914400">
+            <a:pPr algn="ctr">
               <a:lnSpc>
                 <a:spcPct val="100000"/>
               </a:lnSpc>
@@ -11849,10 +11845,12 @@
         <p:spPr>
           <a:xfrm>
             <a:off x="846720" y="2437920"/>
-            <a:ext cx="166320" cy="1067400"/>
-          </a:xfrm>
-          <a:prstGeom prst="bentConnector2">
-            <a:avLst/>
+            <a:ext cx="165960" cy="1067040"/>
+          </a:xfrm>
+          <a:prstGeom prst="bentConnector3">
+            <a:avLst>
+              <a:gd name="adj1" fmla="val 47173"/>
+            </a:avLst>
           </a:prstGeom>
           <a:ln w="0">
             <a:solidFill>
@@ -11871,7 +11869,7 @@
         <p:spPr>
           <a:xfrm>
             <a:off x="1073520" y="4266720"/>
-            <a:ext cx="5562000" cy="1167120"/>
+            <a:ext cx="5561640" cy="1166760"/>
           </a:xfrm>
           <a:prstGeom prst="flowChartDecision">
             <a:avLst/>
@@ -11905,7 +11903,7 @@
             <a:noAutofit/>
           </a:bodyPr>
           <a:p>
-            <a:pPr algn="ctr" defTabSz="914400">
+            <a:pPr algn="ctr">
               <a:lnSpc>
                 <a:spcPct val="100000"/>
               </a:lnSpc>
@@ -11940,10 +11938,12 @@
         <p:spPr>
           <a:xfrm>
             <a:off x="1012320" y="3504600"/>
-            <a:ext cx="61920" cy="1346040"/>
-          </a:xfrm>
-          <a:prstGeom prst="bentConnector2">
-            <a:avLst/>
+            <a:ext cx="61560" cy="1345680"/>
+          </a:xfrm>
+          <a:prstGeom prst="bentConnector3">
+            <a:avLst>
+              <a:gd name="adj1" fmla="val 42352"/>
+            </a:avLst>
           </a:prstGeom>
           <a:ln w="0">
             <a:solidFill>
@@ -11962,7 +11962,7 @@
         <p:spPr>
           <a:xfrm>
             <a:off x="7696080" y="379080"/>
-            <a:ext cx="1275840" cy="913680"/>
+            <a:ext cx="1275480" cy="913320"/>
           </a:xfrm>
           <a:prstGeom prst="ellipse">
             <a:avLst/>
@@ -11996,7 +11996,7 @@
             <a:noAutofit/>
           </a:bodyPr>
           <a:p>
-            <a:pPr algn="ctr" defTabSz="914400">
+            <a:pPr algn="ctr">
               <a:lnSpc>
                 <a:spcPct val="100000"/>
               </a:lnSpc>
@@ -12028,7 +12028,7 @@
         <p:spPr>
           <a:xfrm>
             <a:off x="6248520" y="5486400"/>
-            <a:ext cx="2376360" cy="990000"/>
+            <a:ext cx="2376000" cy="989640"/>
           </a:xfrm>
           <a:prstGeom prst="rect">
             <a:avLst/>
@@ -12062,7 +12062,7 @@
             <a:noAutofit/>
           </a:bodyPr>
           <a:p>
-            <a:pPr algn="ctr" defTabSz="914400">
+            <a:pPr algn="ctr">
               <a:lnSpc>
                 <a:spcPct val="100000"/>
               </a:lnSpc>
@@ -12096,11 +12096,14 @@
         </p:nvCxnSpPr>
         <p:spPr>
           <a:xfrm rot="10800000">
-            <a:off x="8334000" y="1292760"/>
-            <a:ext cx="291600" cy="4689000"/>
-          </a:xfrm>
-          <a:prstGeom prst="bentConnector2">
-            <a:avLst/>
+            <a:off x="8333640" y="1292400"/>
+            <a:ext cx="290880" cy="4689000"/>
+          </a:xfrm>
+          <a:prstGeom prst="bentConnector4">
+            <a:avLst>
+              <a:gd name="adj1" fmla="val 48203"/>
+              <a:gd name="adj2" fmla="val 55274"/>
+            </a:avLst>
           </a:prstGeom>
           <a:ln w="0">
             <a:solidFill>
@@ -12121,11 +12124,13 @@
         </p:nvCxnSpPr>
         <p:spPr>
           <a:xfrm>
-            <a:off x="1073160" y="4850280"/>
-            <a:ext cx="5175720" cy="1131840"/>
-          </a:xfrm>
-          <a:prstGeom prst="bentConnector2">
-            <a:avLst/>
+            <a:off x="1073520" y="4849920"/>
+            <a:ext cx="5175360" cy="1131480"/>
+          </a:xfrm>
+          <a:prstGeom prst="bentConnector3">
+            <a:avLst>
+              <a:gd name="adj1" fmla="val 49899"/>
+            </a:avLst>
           </a:prstGeom>
           <a:ln w="0">
             <a:solidFill>
@@ -12144,7 +12149,7 @@
         <p:spPr>
           <a:xfrm>
             <a:off x="5976360" y="2933640"/>
-            <a:ext cx="1828080" cy="1142280"/>
+            <a:ext cx="1827720" cy="1141920"/>
           </a:xfrm>
           <a:prstGeom prst="rect">
             <a:avLst/>
@@ -12178,7 +12183,7 @@
             <a:noAutofit/>
           </a:bodyPr>
           <a:p>
-            <a:pPr algn="ctr" defTabSz="914400">
+            <a:pPr algn="ctr">
               <a:lnSpc>
                 <a:spcPct val="100000"/>
               </a:lnSpc>
@@ -12212,8 +12217,8 @@
         </p:nvCxnSpPr>
         <p:spPr>
           <a:xfrm>
-            <a:off x="4846320" y="3504960"/>
-            <a:ext cx="1130760" cy="720"/>
+            <a:off x="4845600" y="3504600"/>
+            <a:ext cx="1131120" cy="360"/>
           </a:xfrm>
           <a:prstGeom prst="straightConnector1">
             <a:avLst/>
@@ -12237,7 +12242,7 @@
         </p:nvCxnSpPr>
         <p:spPr>
           <a:xfrm flipV="1">
-            <a:off x="6635880" y="4076280"/>
+            <a:off x="6635160" y="4075560"/>
             <a:ext cx="255240" cy="774720"/>
           </a:xfrm>
           <a:prstGeom prst="straightConnector1">
@@ -12262,7 +12267,7 @@
         </p:nvCxnSpPr>
         <p:spPr>
           <a:xfrm>
-            <a:off x="4680720" y="2438280"/>
+            <a:off x="4680000" y="2437920"/>
             <a:ext cx="2210400" cy="496080"/>
           </a:xfrm>
           <a:prstGeom prst="bentConnector2">
@@ -12287,8 +12292,8 @@
         </p:nvCxnSpPr>
         <p:spPr>
           <a:xfrm flipV="1">
-            <a:off x="7804800" y="1159560"/>
-            <a:ext cx="78840" cy="2346120"/>
+            <a:off x="7804080" y="1158840"/>
+            <a:ext cx="79200" cy="2346120"/>
           </a:xfrm>
           <a:prstGeom prst="bentConnector2">
             <a:avLst/>
@@ -12314,7 +12319,7 @@
         <p:spPr>
           <a:xfrm>
             <a:off x="4495680" y="264960"/>
-            <a:ext cx="3130200" cy="1142280"/>
+            <a:ext cx="3129840" cy="1141920"/>
           </a:xfrm>
           <a:prstGeom prst="rect">
             <a:avLst/>
@@ -12395,7 +12400,7 @@
         <p:spPr>
           <a:xfrm>
             <a:off x="380880" y="523440"/>
-            <a:ext cx="761400" cy="456480"/>
+            <a:ext cx="761040" cy="456120"/>
           </a:xfrm>
           <a:prstGeom prst="ellipse">
             <a:avLst/>
@@ -12429,7 +12434,7 @@
             <a:noAutofit/>
           </a:bodyPr>
           <a:p>
-            <a:pPr algn="ctr" defTabSz="914400">
+            <a:pPr algn="ctr">
               <a:lnSpc>
                 <a:spcPct val="100000"/>
               </a:lnSpc>
@@ -12465,7 +12470,7 @@
         <p:spPr>
           <a:xfrm>
             <a:off x="304920" y="5029200"/>
-            <a:ext cx="3504600" cy="1142280"/>
+            <a:ext cx="3504240" cy="1141920"/>
           </a:xfrm>
           <a:prstGeom prst="rect">
             <a:avLst/>
@@ -12477,7 +12482,7 @@
         </p:spPr>
         <p:txBody>
           <a:bodyPr lIns="45720" rIns="45720" tIns="45000" bIns="45000" anchor="ctr">
-            <a:normAutofit/>
+            <a:normAutofit fontScale="80000"/>
           </a:bodyPr>
           <a:p>
             <a:pPr indent="0">
@@ -12516,7 +12521,7 @@
         <p:spPr>
           <a:xfrm>
             <a:off x="2057400" y="371160"/>
-            <a:ext cx="4114080" cy="761400"/>
+            <a:ext cx="4113720" cy="761040"/>
           </a:xfrm>
           <a:prstGeom prst="rect">
             <a:avLst/>
@@ -12550,7 +12555,7 @@
             <a:noAutofit/>
           </a:bodyPr>
           <a:p>
-            <a:pPr algn="ctr" defTabSz="914400">
+            <a:pPr algn="ctr">
               <a:lnSpc>
                 <a:spcPct val="100000"/>
               </a:lnSpc>
@@ -12584,8 +12589,8 @@
         </p:nvCxnSpPr>
         <p:spPr>
           <a:xfrm>
-            <a:off x="1142640" y="752040"/>
-            <a:ext cx="915480" cy="720"/>
+            <a:off x="1141920" y="751680"/>
+            <a:ext cx="915840" cy="360"/>
           </a:xfrm>
           <a:prstGeom prst="straightConnector1">
             <a:avLst/>
@@ -12607,7 +12612,7 @@
         <p:spPr>
           <a:xfrm>
             <a:off x="2514600" y="1600200"/>
-            <a:ext cx="2590200" cy="761400"/>
+            <a:ext cx="2589840" cy="761040"/>
           </a:xfrm>
           <a:prstGeom prst="flowChartDecision">
             <a:avLst/>
@@ -12641,7 +12646,7 @@
             <a:noAutofit/>
           </a:bodyPr>
           <a:p>
-            <a:pPr algn="ctr" defTabSz="914400">
+            <a:pPr algn="ctr">
               <a:lnSpc>
                 <a:spcPct val="100000"/>
               </a:lnSpc>
@@ -12673,7 +12678,7 @@
         <p:spPr>
           <a:xfrm>
             <a:off x="2666880" y="2558160"/>
-            <a:ext cx="2590200" cy="761400"/>
+            <a:ext cx="2589840" cy="761040"/>
           </a:xfrm>
           <a:prstGeom prst="flowChartDecision">
             <a:avLst/>
@@ -12707,7 +12712,7 @@
             <a:noAutofit/>
           </a:bodyPr>
           <a:p>
-            <a:pPr algn="ctr" defTabSz="914400">
+            <a:pPr algn="ctr">
               <a:lnSpc>
                 <a:spcPct val="100000"/>
               </a:lnSpc>
@@ -12739,7 +12744,7 @@
         <p:spPr>
           <a:xfrm>
             <a:off x="2666880" y="3630240"/>
-            <a:ext cx="2590200" cy="761400"/>
+            <a:ext cx="2589840" cy="761040"/>
           </a:xfrm>
           <a:prstGeom prst="flowChartDecision">
             <a:avLst/>
@@ -12773,7 +12778,7 @@
             <a:noAutofit/>
           </a:bodyPr>
           <a:p>
-            <a:pPr algn="ctr" defTabSz="914400">
+            <a:pPr algn="ctr">
               <a:lnSpc>
                 <a:spcPct val="100000"/>
               </a:lnSpc>
@@ -12807,8 +12812,8 @@
         </p:nvCxnSpPr>
         <p:spPr>
           <a:xfrm flipH="1">
-            <a:off x="3809880" y="1132920"/>
-            <a:ext cx="305280" cy="468000"/>
+            <a:off x="3809520" y="1132200"/>
+            <a:ext cx="304920" cy="468360"/>
           </a:xfrm>
           <a:prstGeom prst="straightConnector1">
             <a:avLst/>
@@ -12832,11 +12837,13 @@
         </p:nvCxnSpPr>
         <p:spPr>
           <a:xfrm>
-            <a:off x="5105160" y="1981080"/>
-            <a:ext cx="153000" cy="958680"/>
-          </a:xfrm>
-          <a:prstGeom prst="bentConnector2">
-            <a:avLst/>
+            <a:off x="5104440" y="1980720"/>
+            <a:ext cx="152640" cy="958320"/>
+          </a:xfrm>
+          <a:prstGeom prst="bentConnector3">
+            <a:avLst>
+              <a:gd name="adj1" fmla="val 153900"/>
+            </a:avLst>
           </a:prstGeom>
           <a:ln w="0">
             <a:solidFill>
@@ -12857,11 +12864,13 @@
         </p:nvCxnSpPr>
         <p:spPr>
           <a:xfrm>
-            <a:off x="5257440" y="2939040"/>
-            <a:ext cx="720" cy="1072800"/>
-          </a:xfrm>
-          <a:prstGeom prst="bentConnector2">
-            <a:avLst/>
+            <a:off x="5256720" y="2938680"/>
+            <a:ext cx="360" cy="1072440"/>
+          </a:xfrm>
+          <a:prstGeom prst="bentConnector3">
+            <a:avLst>
+              <a:gd name="adj1" fmla="val 1700000"/>
+            </a:avLst>
           </a:prstGeom>
           <a:ln w="0">
             <a:solidFill>
@@ -12882,11 +12891,13 @@
         </p:nvCxnSpPr>
         <p:spPr>
           <a:xfrm>
-            <a:off x="2514240" y="1980720"/>
-            <a:ext cx="153000" cy="958680"/>
-          </a:xfrm>
-          <a:prstGeom prst="bentConnector2">
-            <a:avLst/>
+            <a:off x="2514600" y="1980720"/>
+            <a:ext cx="152640" cy="958320"/>
+          </a:xfrm>
+          <a:prstGeom prst="bentConnector3">
+            <a:avLst>
+              <a:gd name="adj1" fmla="val 46808"/>
+            </a:avLst>
           </a:prstGeom>
           <a:ln w="0">
             <a:solidFill>
@@ -12907,11 +12918,13 @@
         </p:nvCxnSpPr>
         <p:spPr>
           <a:xfrm rot="10800000">
-            <a:off x="2666520" y="2938680"/>
-            <a:ext cx="720" cy="1072800"/>
-          </a:xfrm>
-          <a:prstGeom prst="bentConnector2">
-            <a:avLst/>
+            <a:off x="2666880" y="2938680"/>
+            <a:ext cx="360" cy="1072440"/>
+          </a:xfrm>
+          <a:prstGeom prst="bentConnector3">
+            <a:avLst>
+              <a:gd name="adj1" fmla="val -56800000"/>
+            </a:avLst>
           </a:prstGeom>
           <a:ln w="0">
             <a:solidFill>
@@ -12930,7 +12943,7 @@
         <p:spPr>
           <a:xfrm>
             <a:off x="6324480" y="1674000"/>
-            <a:ext cx="2285280" cy="990000"/>
+            <a:ext cx="2284920" cy="989640"/>
           </a:xfrm>
           <a:prstGeom prst="rect">
             <a:avLst/>
@@ -12964,7 +12977,7 @@
             <a:noAutofit/>
           </a:bodyPr>
           <a:p>
-            <a:pPr algn="ctr" defTabSz="914400">
+            <a:pPr algn="ctr">
               <a:lnSpc>
                 <a:spcPct val="100000"/>
               </a:lnSpc>
@@ -12998,11 +13011,14 @@
         </p:nvCxnSpPr>
         <p:spPr>
           <a:xfrm flipV="1">
-            <a:off x="5105160" y="1674000"/>
-            <a:ext cx="2362680" cy="307800"/>
-          </a:xfrm>
-          <a:prstGeom prst="bentConnector2">
-            <a:avLst/>
+            <a:off x="5104440" y="1674000"/>
+            <a:ext cx="2362680" cy="307080"/>
+          </a:xfrm>
+          <a:prstGeom prst="bentConnector4">
+            <a:avLst>
+              <a:gd name="adj1" fmla="val 75647"/>
+              <a:gd name="adj2" fmla="val 103286"/>
+            </a:avLst>
           </a:prstGeom>
           <a:ln w="0">
             <a:solidFill>
@@ -13023,11 +13039,13 @@
         </p:nvCxnSpPr>
         <p:spPr>
           <a:xfrm flipV="1">
-            <a:off x="5257440" y="2169000"/>
-            <a:ext cx="1067760" cy="770760"/>
-          </a:xfrm>
-          <a:prstGeom prst="bentConnector2">
-            <a:avLst/>
+            <a:off x="5256720" y="2168640"/>
+            <a:ext cx="1068120" cy="770400"/>
+          </a:xfrm>
+          <a:prstGeom prst="bentConnector3">
+            <a:avLst>
+              <a:gd name="adj1" fmla="val 99595"/>
+            </a:avLst>
           </a:prstGeom>
           <a:ln w="0">
             <a:solidFill>
@@ -13048,7 +13066,7 @@
         </p:nvCxnSpPr>
         <p:spPr>
           <a:xfrm flipV="1">
-            <a:off x="5257440" y="2664360"/>
+            <a:off x="5256720" y="2663640"/>
             <a:ext cx="2210400" cy="1347480"/>
           </a:xfrm>
           <a:prstGeom prst="bentConnector2">
@@ -13071,7 +13089,7 @@
         <p:spPr>
           <a:xfrm>
             <a:off x="380880" y="4114800"/>
-            <a:ext cx="1218600" cy="761400"/>
+            <a:ext cx="1218240" cy="761040"/>
           </a:xfrm>
           <a:prstGeom prst="rect">
             <a:avLst/>
@@ -13105,7 +13123,7 @@
             <a:noAutofit/>
           </a:bodyPr>
           <a:p>
-            <a:pPr algn="ctr" defTabSz="914400">
+            <a:pPr algn="ctr">
               <a:lnSpc>
                 <a:spcPct val="100000"/>
               </a:lnSpc>
@@ -13139,8 +13157,8 @@
         </p:nvCxnSpPr>
         <p:spPr>
           <a:xfrm flipH="1">
-            <a:off x="1599840" y="4011120"/>
-            <a:ext cx="1067760" cy="485280"/>
+            <a:off x="1599120" y="4010760"/>
+            <a:ext cx="1068120" cy="484920"/>
           </a:xfrm>
           <a:prstGeom prst="straightConnector1">
             <a:avLst/>
@@ -13162,7 +13180,7 @@
         <p:spPr>
           <a:xfrm>
             <a:off x="5105520" y="5105520"/>
-            <a:ext cx="1978560" cy="913680"/>
+            <a:ext cx="1978200" cy="913320"/>
           </a:xfrm>
           <a:prstGeom prst="ellipse">
             <a:avLst/>
@@ -13196,7 +13214,7 @@
             <a:noAutofit/>
           </a:bodyPr>
           <a:p>
-            <a:pPr algn="ctr" defTabSz="914400">
+            <a:pPr algn="ctr">
               <a:lnSpc>
                 <a:spcPct val="100000"/>
               </a:lnSpc>
@@ -13230,8 +13248,8 @@
         </p:nvCxnSpPr>
         <p:spPr>
           <a:xfrm>
-            <a:off x="1599840" y="4495680"/>
-            <a:ext cx="3506400" cy="1067760"/>
+            <a:off x="1599120" y="4495320"/>
+            <a:ext cx="3506760" cy="1067400"/>
           </a:xfrm>
           <a:prstGeom prst="straightConnector1">
             <a:avLst/>
@@ -13255,11 +13273,13 @@
         </p:nvCxnSpPr>
         <p:spPr>
           <a:xfrm flipV="1" rot="10800000">
-            <a:off x="7084080" y="2169000"/>
-            <a:ext cx="1526400" cy="3394440"/>
-          </a:xfrm>
-          <a:prstGeom prst="bentConnector2">
-            <a:avLst/>
+            <a:off x="7083720" y="2168280"/>
+            <a:ext cx="1526040" cy="3394080"/>
+          </a:xfrm>
+          <a:prstGeom prst="bentConnector3">
+            <a:avLst>
+              <a:gd name="adj1" fmla="val 49669"/>
+            </a:avLst>
           </a:prstGeom>
           <a:ln w="0">
             <a:solidFill>
@@ -13308,7 +13328,7 @@
         <p:spPr>
           <a:xfrm>
             <a:off x="380880" y="523440"/>
-            <a:ext cx="761400" cy="456480"/>
+            <a:ext cx="761040" cy="456120"/>
           </a:xfrm>
           <a:prstGeom prst="ellipse">
             <a:avLst/>
@@ -13342,7 +13362,7 @@
             <a:noAutofit/>
           </a:bodyPr>
           <a:p>
-            <a:pPr algn="ctr" defTabSz="914400">
+            <a:pPr algn="ctr">
               <a:lnSpc>
                 <a:spcPct val="100000"/>
               </a:lnSpc>
@@ -13374,7 +13394,7 @@
         <p:spPr>
           <a:xfrm>
             <a:off x="2884680" y="447480"/>
-            <a:ext cx="2361600" cy="608760"/>
+            <a:ext cx="2361240" cy="608400"/>
           </a:xfrm>
           <a:prstGeom prst="rect">
             <a:avLst/>
@@ -13408,7 +13428,7 @@
             <a:noAutofit/>
           </a:bodyPr>
           <a:p>
-            <a:pPr algn="ctr" defTabSz="914400">
+            <a:pPr algn="ctr">
               <a:lnSpc>
                 <a:spcPct val="100000"/>
               </a:lnSpc>
@@ -13442,8 +13462,8 @@
         </p:nvCxnSpPr>
         <p:spPr>
           <a:xfrm>
-            <a:off x="1142640" y="752040"/>
-            <a:ext cx="1742760" cy="720"/>
+            <a:off x="1141920" y="751680"/>
+            <a:ext cx="1743120" cy="360"/>
           </a:xfrm>
           <a:prstGeom prst="straightConnector1">
             <a:avLst/>
@@ -13465,7 +13485,7 @@
         <p:spPr>
           <a:xfrm>
             <a:off x="1447920" y="1523880"/>
-            <a:ext cx="3961800" cy="837360"/>
+            <a:ext cx="3961440" cy="837000"/>
           </a:xfrm>
           <a:prstGeom prst="flowChartDecision">
             <a:avLst/>
@@ -13499,7 +13519,7 @@
             <a:noAutofit/>
           </a:bodyPr>
           <a:p>
-            <a:pPr algn="ctr" defTabSz="914400">
+            <a:pPr algn="ctr">
               <a:lnSpc>
                 <a:spcPct val="100000"/>
               </a:lnSpc>
@@ -13532,12 +13552,14 @@
           <p:nvPr/>
         </p:nvCxnSpPr>
         <p:spPr>
-          <a:xfrm flipV="1" rot="10800000">
-            <a:off x="3428640" y="1056240"/>
-            <a:ext cx="637200" cy="468000"/>
-          </a:xfrm>
-          <a:prstGeom prst="bentConnector2">
-            <a:avLst/>
+          <a:xfrm rot="5400000">
+            <a:off x="3512880" y="971640"/>
+            <a:ext cx="468360" cy="636840"/>
+          </a:xfrm>
+          <a:prstGeom prst="bentConnector3">
+            <a:avLst>
+              <a:gd name="adj1" fmla="val 99000"/>
+            </a:avLst>
           </a:prstGeom>
           <a:ln w="0">
             <a:solidFill>
@@ -13556,7 +13578,7 @@
         <p:spPr>
           <a:xfrm>
             <a:off x="6219360" y="447480"/>
-            <a:ext cx="2361600" cy="1065960"/>
+            <a:ext cx="2361240" cy="1065600"/>
           </a:xfrm>
           <a:prstGeom prst="rect">
             <a:avLst/>
@@ -13590,7 +13612,7 @@
             <a:noAutofit/>
           </a:bodyPr>
           <a:p>
-            <a:pPr algn="ctr" defTabSz="914400">
+            <a:pPr algn="ctr">
               <a:lnSpc>
                 <a:spcPct val="100000"/>
               </a:lnSpc>
@@ -13636,11 +13658,13 @@
         </p:nvCxnSpPr>
         <p:spPr>
           <a:xfrm flipV="1">
-            <a:off x="5410080" y="980640"/>
-            <a:ext cx="810000" cy="962640"/>
-          </a:xfrm>
-          <a:prstGeom prst="bentConnector2">
-            <a:avLst/>
+            <a:off x="5409360" y="980280"/>
+            <a:ext cx="810360" cy="962280"/>
+          </a:xfrm>
+          <a:prstGeom prst="bentConnector3">
+            <a:avLst>
+              <a:gd name="adj1" fmla="val 99466"/>
+            </a:avLst>
           </a:prstGeom>
           <a:ln w="0">
             <a:solidFill>
@@ -13659,7 +13683,7 @@
         <p:spPr>
           <a:xfrm>
             <a:off x="832320" y="3505320"/>
-            <a:ext cx="1592280" cy="685080"/>
+            <a:ext cx="1591920" cy="684720"/>
           </a:xfrm>
           <a:prstGeom prst="rect">
             <a:avLst/>
@@ -13693,7 +13717,7 @@
             <a:noAutofit/>
           </a:bodyPr>
           <a:p>
-            <a:pPr algn="ctr" defTabSz="914400">
+            <a:pPr algn="ctr">
               <a:lnSpc>
                 <a:spcPct val="100000"/>
               </a:lnSpc>
@@ -13725,7 +13749,7 @@
         <p:spPr>
           <a:xfrm>
             <a:off x="6410880" y="3390840"/>
-            <a:ext cx="1978560" cy="913680"/>
+            <a:ext cx="1978200" cy="913320"/>
           </a:xfrm>
           <a:prstGeom prst="ellipse">
             <a:avLst/>
@@ -13759,7 +13783,7 @@
             <a:noAutofit/>
           </a:bodyPr>
           <a:p>
-            <a:pPr algn="ctr" defTabSz="914400">
+            <a:pPr algn="ctr">
               <a:lnSpc>
                 <a:spcPct val="100000"/>
               </a:lnSpc>
@@ -13793,11 +13817,14 @@
         </p:nvCxnSpPr>
         <p:spPr>
           <a:xfrm>
-            <a:off x="1447920" y="1942560"/>
-            <a:ext cx="181440" cy="1563480"/>
-          </a:xfrm>
-          <a:prstGeom prst="bentConnector2">
-            <a:avLst/>
+            <a:off x="1447920" y="1942200"/>
+            <a:ext cx="180720" cy="1563480"/>
+          </a:xfrm>
+          <a:prstGeom prst="bentConnector4">
+            <a:avLst>
+              <a:gd name="adj1" fmla="val 47504"/>
+              <a:gd name="adj2" fmla="val 63403"/>
+            </a:avLst>
           </a:prstGeom>
           <a:ln w="0">
             <a:solidFill>
@@ -13818,8 +13845,8 @@
         </p:nvCxnSpPr>
         <p:spPr>
           <a:xfrm>
-            <a:off x="7400160" y="1513800"/>
-            <a:ext cx="1080" cy="1877760"/>
+            <a:off x="7399800" y="1513080"/>
+            <a:ext cx="720" cy="1878120"/>
           </a:xfrm>
           <a:prstGeom prst="straightConnector1">
             <a:avLst/>
@@ -13843,8 +13870,8 @@
         </p:nvCxnSpPr>
         <p:spPr>
           <a:xfrm>
-            <a:off x="2424960" y="3848040"/>
-            <a:ext cx="3986640" cy="720"/>
+            <a:off x="2424240" y="3847680"/>
+            <a:ext cx="3987000" cy="360"/>
           </a:xfrm>
           <a:prstGeom prst="straightConnector1">
             <a:avLst/>
@@ -13870,7 +13897,7 @@
         <p:spPr>
           <a:xfrm>
             <a:off x="209520" y="4800600"/>
-            <a:ext cx="3607920" cy="1142280"/>
+            <a:ext cx="3607560" cy="1141920"/>
           </a:xfrm>
           <a:prstGeom prst="rect">
             <a:avLst/>
@@ -13955,7 +13982,7 @@
         <p:spPr>
           <a:xfrm>
             <a:off x="762120" y="1600200"/>
-            <a:ext cx="6856920" cy="4525200"/>
+            <a:ext cx="6856560" cy="4524840"/>
           </a:xfrm>
           <a:prstGeom prst="rect">
             <a:avLst/>
@@ -13979,7 +14006,7 @@
 </file>
 
 <file path=ppt/theme/theme1.xml><?xml version="1.0" encoding="utf-8"?>
-<a:theme xmlns:a="http://schemas.openxmlformats.org/drawingml/2006/main" xmlns:r="http://schemas.openxmlformats.org/officeDocument/2006/relationships" name="Técnico">
+<a:theme xmlns:a="http://schemas.openxmlformats.org/drawingml/2006/main" name="Técnico">
   <a:themeElements>
     <a:clrScheme name="Técnico">
       <a:dk1>
@@ -14019,107 +14046,94 @@
         <a:srgbClr val="a116e0"/>
       </a:folHlink>
     </a:clrScheme>
-    <a:fontScheme name="Técnico">
+    <a:fontScheme name="Office">
       <a:majorFont>
-        <a:latin typeface="Franklin Gothic Book" pitchFamily="0" charset="1"/>
-        <a:ea typeface=""/>
-        <a:cs typeface=""/>
+        <a:latin typeface="Arial"/>
+        <a:ea typeface="DejaVu Sans"/>
+        <a:cs typeface="DejaVu Sans"/>
       </a:majorFont>
       <a:minorFont>
-        <a:latin typeface="Arial" pitchFamily="0" charset="1"/>
-        <a:ea typeface=""/>
-        <a:cs typeface=""/>
+        <a:latin typeface="Arial"/>
+        <a:ea typeface="DejaVu Sans"/>
+        <a:cs typeface="DejaVu Sans"/>
       </a:minorFont>
     </a:fontScheme>
-    <a:fmtScheme>
+    <a:fmtScheme name="Office">
       <a:fillStyleLst>
         <a:solidFill>
           <a:schemeClr val="phClr"/>
         </a:solidFill>
-        <a:gradFill>
+        <a:gradFill rotWithShape="1">
           <a:gsLst>
             <a:gs pos="0">
               <a:schemeClr val="phClr">
-                <a:tint val="1000"/>
+                <a:tint val="50000"/>
+                <a:satMod val="300000"/>
               </a:schemeClr>
             </a:gs>
-            <a:gs pos="68000">
+            <a:gs pos="35000">
               <a:schemeClr val="phClr">
-                <a:tint val="77000"/>
-              </a:schemeClr>
-            </a:gs>
-            <a:gs pos="81000">
-              <a:schemeClr val="phClr">
-                <a:tint val="79000"/>
-              </a:schemeClr>
-            </a:gs>
-            <a:gs pos="86000">
-              <a:schemeClr val="phClr">
-                <a:tint val="73000"/>
+                <a:tint val="37000"/>
+                <a:satMod val="300000"/>
               </a:schemeClr>
             </a:gs>
             <a:gs pos="100000">
               <a:schemeClr val="phClr">
-                <a:tint val="35000"/>
+                <a:tint val="15000"/>
+                <a:satMod val="350000"/>
               </a:schemeClr>
             </a:gs>
           </a:gsLst>
-          <a:lin ang="5400000" scaled="1"/>
-          <a:tileRect l="0" t="0" r="0" b="0"/>
+          <a:lin ang="16200000" scaled="1"/>
         </a:gradFill>
-        <a:gradFill>
+        <a:gradFill rotWithShape="1">
           <a:gsLst>
             <a:gs pos="0">
               <a:schemeClr val="phClr">
-                <a:tint val="73000"/>
-              </a:schemeClr>
-            </a:gs>
-            <a:gs pos="25000">
-              <a:schemeClr val="phClr">
-                <a:tint val="96000"/>
-                <a:shade val="80000"/>
-              </a:schemeClr>
-            </a:gs>
-            <a:gs pos="38000">
-              <a:schemeClr val="phClr">
-                <a:tint val="96000"/>
-                <a:shade val="59000"/>
-              </a:schemeClr>
-            </a:gs>
-            <a:gs pos="55000">
-              <a:schemeClr val="phClr">
-                <a:shade val="57000"/>
+                <a:shade val="51000"/>
+                <a:satMod val="130000"/>
               </a:schemeClr>
             </a:gs>
             <a:gs pos="80000">
               <a:schemeClr val="phClr">
-                <a:shade val="56000"/>
-              </a:schemeClr>
-            </a:gs>
-            <a:gs pos="88000">
-              <a:schemeClr val="phClr">
-                <a:shade val="63000"/>
+                <a:shade val="93000"/>
+                <a:satMod val="130000"/>
               </a:schemeClr>
             </a:gs>
             <a:gs pos="100000">
               <a:schemeClr val="phClr">
-                <a:tint val="99550"/>
+                <a:shade val="94000"/>
+                <a:satMod val="135000"/>
               </a:schemeClr>
             </a:gs>
           </a:gsLst>
-          <a:lin ang="5400000" scaled="1"/>
-          <a:tileRect l="0" t="0" r="0" b="0"/>
+          <a:lin ang="16200000" scaled="0"/>
         </a:gradFill>
       </a:fillStyleLst>
       <a:lnStyleLst>
-        <a:ln w="9525" cap="flat" cmpd="sng" algn="ctr">
+        <a:ln w="6350" cap="flat" cmpd="sng" algn="ctr">
+          <a:solidFill>
+            <a:schemeClr val="phClr">
+              <a:shade val="95000"/>
+              <a:satMod val="105000"/>
+            </a:schemeClr>
+          </a:solidFill>
           <a:prstDash val="solid"/>
+          <a:miter/>
+        </a:ln>
+        <a:ln w="12700" cap="flat" cmpd="sng" algn="ctr">
+          <a:solidFill>
+            <a:schemeClr val="phClr"/>
+          </a:solidFill>
+          <a:prstDash val="solid"/>
+          <a:miter/>
         </a:ln>
         <a:ln w="19050" cap="flat" cmpd="sng" algn="ctr">
+          <a:solidFill>
+            <a:schemeClr val="phClr"/>
+          </a:solidFill>
           <a:prstDash val="solid"/>
-        </a:ln>
-        <a:ln w="19050" cap="flat" cmpd="sng" algn="ctr">
-          <a:prstDash val="solid"/>
+          <a:miter/>
         </a:ln>
       </a:lnStyleLst>
       <a:effectStyleLst>
@@ -14130,51 +14144,74 @@
           <a:effectLst/>
         </a:effectStyle>
         <a:effectStyle>
-          <a:effectLst/>
+          <a:effectLst>
+            <a:outerShdw blurRad="40000" dist="23000" dir="5400000" rotWithShape="0">
+              <a:srgbClr val="000000">
+                <a:alpha val="35000"/>
+              </a:srgbClr>
+            </a:outerShdw>
+          </a:effectLst>
+          <a:scene3d>
+            <a:camera prst="orthographicFront">
+              <a:rot lat="0" lon="0" rev="0"/>
+            </a:camera>
+            <a:lightRig rig="threePt" dir="t">
+              <a:rot lat="0" lon="0" rev="1200000"/>
+            </a:lightRig>
+          </a:scene3d>
+          <a:sp3d>
+            <a:bevelT w="63500" h="25400"/>
+          </a:sp3d>
         </a:effectStyle>
       </a:effectStyleLst>
       <a:bgFillStyleLst>
         <a:solidFill>
           <a:schemeClr val="phClr"/>
         </a:solidFill>
-        <a:gradFill>
+        <a:gradFill rotWithShape="1">
           <a:gsLst>
             <a:gs pos="0">
               <a:schemeClr val="phClr">
-                <a:shade val="40000"/>
+                <a:tint val="40000"/>
+                <a:satMod val="350000"/>
               </a:schemeClr>
             </a:gs>
-            <a:gs pos="30000">
+            <a:gs pos="40000">
               <a:schemeClr val="phClr">
-                <a:shade val="60000"/>
+                <a:tint val="45000"/>
+                <a:shade val="99000"/>
+                <a:satMod val="350000"/>
               </a:schemeClr>
             </a:gs>
             <a:gs pos="100000">
               <a:schemeClr val="phClr">
-                <a:tint val="83000"/>
+                <a:shade val="20000"/>
+                <a:satMod val="255000"/>
               </a:schemeClr>
             </a:gs>
           </a:gsLst>
-          <a:lin ang="13000000" scaled="0"/>
-          <a:tileRect l="0" t="0" r="0" b="0"/>
+          <a:path path="circle">
+            <a:fillToRect l="50000" t="-80000" r="50000" b="180000"/>
+          </a:path>
         </a:gradFill>
-        <a:gradFill>
+        <a:gradFill rotWithShape="1">
           <a:gsLst>
             <a:gs pos="0">
               <a:schemeClr val="phClr">
-                <a:tint val="78000"/>
+                <a:tint val="80000"/>
+                <a:satMod val="300000"/>
               </a:schemeClr>
             </a:gs>
             <a:gs pos="100000">
               <a:schemeClr val="phClr">
-                <a:shade val="35000"/>
+                <a:shade val="30000"/>
+                <a:satMod val="200000"/>
               </a:schemeClr>
             </a:gs>
           </a:gsLst>
           <a:path path="circle">
-            <a:fillToRect l="60000" t="50000" r="40000" b="50000"/>
+            <a:fillToRect l="50000" t="50000" r="50000" b="50000"/>
           </a:path>
-          <a:tileRect l="0" t="0" r="0" b="0"/>
         </a:gradFill>
       </a:bgFillStyleLst>
     </a:fmtScheme>
@@ -14183,7 +14220,7 @@
 </file>
 
 <file path=ppt/theme/theme2.xml><?xml version="1.0" encoding="utf-8"?>
-<a:theme xmlns:a="http://schemas.openxmlformats.org/drawingml/2006/main" xmlns:r="http://schemas.openxmlformats.org/officeDocument/2006/relationships" name="Técnico">
+<a:theme xmlns:a="http://schemas.openxmlformats.org/drawingml/2006/main" name="Técnico">
   <a:themeElements>
     <a:clrScheme name="Técnico">
       <a:dk1>
@@ -14223,244 +14260,92 @@
         <a:srgbClr val="a116e0"/>
       </a:folHlink>
     </a:clrScheme>
-    <a:fontScheme name="Técnico">
+    <a:fontScheme name="Office">
       <a:majorFont>
-        <a:latin typeface="Franklin Gothic Book" pitchFamily="0" charset="1"/>
-        <a:ea typeface=""/>
-        <a:cs typeface=""/>
+        <a:latin typeface="Arial"/>
+        <a:ea typeface="DejaVu Sans"/>
+        <a:cs typeface="DejaVu Sans"/>
       </a:majorFont>
       <a:minorFont>
-        <a:latin typeface="Arial" pitchFamily="0" charset="1"/>
-        <a:ea typeface=""/>
-        <a:cs typeface=""/>
+        <a:latin typeface="Arial"/>
+        <a:ea typeface="DejaVu Sans"/>
+        <a:cs typeface="DejaVu Sans"/>
       </a:minorFont>
     </a:fontScheme>
-    <a:fmtScheme>
+    <a:fmtScheme name="Office">
       <a:fillStyleLst>
         <a:solidFill>
           <a:schemeClr val="phClr"/>
         </a:solidFill>
-        <a:gradFill>
+        <a:gradFill rotWithShape="1">
           <a:gsLst>
             <a:gs pos="0">
               <a:schemeClr val="phClr">
-                <a:tint val="1000"/>
+                <a:tint val="50000"/>
+                <a:satMod val="300000"/>
               </a:schemeClr>
             </a:gs>
-            <a:gs pos="68000">
+            <a:gs pos="35000">
               <a:schemeClr val="phClr">
-                <a:tint val="77000"/>
-              </a:schemeClr>
-            </a:gs>
-            <a:gs pos="81000">
-              <a:schemeClr val="phClr">
-                <a:tint val="79000"/>
-              </a:schemeClr>
-            </a:gs>
-            <a:gs pos="86000">
-              <a:schemeClr val="phClr">
-                <a:tint val="73000"/>
+                <a:tint val="37000"/>
+                <a:satMod val="300000"/>
               </a:schemeClr>
             </a:gs>
             <a:gs pos="100000">
               <a:schemeClr val="phClr">
-                <a:tint val="35000"/>
+                <a:tint val="15000"/>
+                <a:satMod val="350000"/>
               </a:schemeClr>
             </a:gs>
           </a:gsLst>
-          <a:lin ang="5400000" scaled="1"/>
-          <a:tileRect l="0" t="0" r="0" b="0"/>
+          <a:lin ang="16200000" scaled="1"/>
         </a:gradFill>
-        <a:gradFill>
+        <a:gradFill rotWithShape="1">
           <a:gsLst>
             <a:gs pos="0">
               <a:schemeClr val="phClr">
-                <a:tint val="73000"/>
-              </a:schemeClr>
-            </a:gs>
-            <a:gs pos="25000">
-              <a:schemeClr val="phClr">
-                <a:tint val="96000"/>
-                <a:shade val="80000"/>
-              </a:schemeClr>
-            </a:gs>
-            <a:gs pos="38000">
-              <a:schemeClr val="phClr">
-                <a:tint val="96000"/>
-                <a:shade val="59000"/>
-              </a:schemeClr>
-            </a:gs>
-            <a:gs pos="55000">
-              <a:schemeClr val="phClr">
-                <a:shade val="57000"/>
+                <a:shade val="51000"/>
+                <a:satMod val="130000"/>
               </a:schemeClr>
             </a:gs>
             <a:gs pos="80000">
               <a:schemeClr val="phClr">
-                <a:shade val="56000"/>
-              </a:schemeClr>
-            </a:gs>
-            <a:gs pos="88000">
-              <a:schemeClr val="phClr">
-                <a:shade val="63000"/>
+                <a:shade val="93000"/>
+                <a:satMod val="130000"/>
               </a:schemeClr>
             </a:gs>
             <a:gs pos="100000">
               <a:schemeClr val="phClr">
-                <a:tint val="99550"/>
+                <a:shade val="94000"/>
+                <a:satMod val="135000"/>
               </a:schemeClr>
             </a:gs>
           </a:gsLst>
-          <a:lin ang="5400000" scaled="1"/>
-          <a:tileRect l="0" t="0" r="0" b="0"/>
+          <a:lin ang="16200000" scaled="0"/>
         </a:gradFill>
       </a:fillStyleLst>
       <a:lnStyleLst>
-        <a:ln w="9525" cap="flat" cmpd="sng" algn="ctr">
-          <a:prstDash val="solid"/>
-        </a:ln>
-        <a:ln w="19050" cap="flat" cmpd="sng" algn="ctr">
-          <a:prstDash val="solid"/>
-        </a:ln>
-        <a:ln w="19050" cap="flat" cmpd="sng" algn="ctr">
-          <a:prstDash val="solid"/>
-        </a:ln>
-      </a:lnStyleLst>
-      <a:effectStyleLst>
-        <a:effectStyle>
-          <a:effectLst/>
-        </a:effectStyle>
-        <a:effectStyle>
-          <a:effectLst/>
-        </a:effectStyle>
-        <a:effectStyle>
-          <a:effectLst/>
-        </a:effectStyle>
-      </a:effectStyleLst>
-      <a:bgFillStyleLst>
-        <a:solidFill>
-          <a:schemeClr val="phClr"/>
-        </a:solidFill>
-        <a:gradFill>
-          <a:gsLst>
-            <a:gs pos="0">
-              <a:schemeClr val="phClr">
-                <a:shade val="40000"/>
-              </a:schemeClr>
-            </a:gs>
-            <a:gs pos="30000">
-              <a:schemeClr val="phClr">
-                <a:shade val="60000"/>
-              </a:schemeClr>
-            </a:gs>
-            <a:gs pos="100000">
-              <a:schemeClr val="phClr">
-                <a:tint val="83000"/>
-              </a:schemeClr>
-            </a:gs>
-          </a:gsLst>
-          <a:lin ang="13000000" scaled="0"/>
-          <a:tileRect l="0" t="0" r="0" b="0"/>
-        </a:gradFill>
-        <a:gradFill>
-          <a:gsLst>
-            <a:gs pos="0">
-              <a:schemeClr val="phClr">
-                <a:tint val="78000"/>
-              </a:schemeClr>
-            </a:gs>
-            <a:gs pos="100000">
-              <a:schemeClr val="phClr">
-                <a:shade val="35000"/>
-              </a:schemeClr>
-            </a:gs>
-          </a:gsLst>
-          <a:path path="circle">
-            <a:fillToRect l="60000" t="50000" r="40000" b="50000"/>
-          </a:path>
-          <a:tileRect l="0" t="0" r="0" b="0"/>
-        </a:gradFill>
-      </a:bgFillStyleLst>
-    </a:fmtScheme>
-  </a:themeElements>
-</a:theme>
-</file>
-
-<file path=ppt/theme/theme3.xml><?xml version="1.0" encoding="utf-8"?>
-<a:theme xmlns:a="http://schemas.openxmlformats.org/drawingml/2006/main" xmlns:r="http://schemas.openxmlformats.org/officeDocument/2006/relationships" name="Office Theme">
-  <a:themeElements>
-    <a:clrScheme name="LibreOffice">
-      <a:dk1>
-        <a:srgbClr val="000000"/>
-      </a:dk1>
-      <a:lt1>
-        <a:srgbClr val="ffffff"/>
-      </a:lt1>
-      <a:dk2>
-        <a:srgbClr val="000000"/>
-      </a:dk2>
-      <a:lt2>
-        <a:srgbClr val="ffffff"/>
-      </a:lt2>
-      <a:accent1>
-        <a:srgbClr val="18a303"/>
-      </a:accent1>
-      <a:accent2>
-        <a:srgbClr val="0369a3"/>
-      </a:accent2>
-      <a:accent3>
-        <a:srgbClr val="a33e03"/>
-      </a:accent3>
-      <a:accent4>
-        <a:srgbClr val="8e03a3"/>
-      </a:accent4>
-      <a:accent5>
-        <a:srgbClr val="c99c00"/>
-      </a:accent5>
-      <a:accent6>
-        <a:srgbClr val="c9211e"/>
-      </a:accent6>
-      <a:hlink>
-        <a:srgbClr val="0000ee"/>
-      </a:hlink>
-      <a:folHlink>
-        <a:srgbClr val="551a8b"/>
-      </a:folHlink>
-    </a:clrScheme>
-    <a:fontScheme name="Office">
-      <a:majorFont>
-        <a:latin typeface="Arial" pitchFamily="0" charset="1"/>
-        <a:ea typeface="DejaVu Sans" pitchFamily="0" charset="1"/>
-        <a:cs typeface="DejaVu Sans" pitchFamily="0" charset="1"/>
-      </a:majorFont>
-      <a:minorFont>
-        <a:latin typeface="Arial" pitchFamily="0" charset="1"/>
-        <a:ea typeface="DejaVu Sans" pitchFamily="0" charset="1"/>
-        <a:cs typeface="DejaVu Sans" pitchFamily="0" charset="1"/>
-      </a:minorFont>
-    </a:fontScheme>
-    <a:fmtScheme>
-      <a:fillStyleLst>
-        <a:solidFill>
-          <a:schemeClr val="phClr"/>
-        </a:solidFill>
-        <a:solidFill>
-          <a:schemeClr val="phClr"/>
-        </a:solidFill>
-        <a:solidFill>
-          <a:schemeClr val="phClr"/>
-        </a:solidFill>
-      </a:fillStyleLst>
-      <a:lnStyleLst>
         <a:ln w="6350" cap="flat" cmpd="sng" algn="ctr">
+          <a:solidFill>
+            <a:schemeClr val="phClr">
+              <a:shade val="95000"/>
+              <a:satMod val="105000"/>
+            </a:schemeClr>
+          </a:solidFill>
           <a:prstDash val="solid"/>
           <a:miter/>
         </a:ln>
-        <a:ln w="6350" cap="flat" cmpd="sng" algn="ctr">
+        <a:ln w="12700" cap="flat" cmpd="sng" algn="ctr">
+          <a:solidFill>
+            <a:schemeClr val="phClr"/>
+          </a:solidFill>
           <a:prstDash val="solid"/>
           <a:miter/>
         </a:ln>
-        <a:ln w="6350" cap="flat" cmpd="sng" algn="ctr">
+        <a:ln w="19050" cap="flat" cmpd="sng" algn="ctr">
+          <a:solidFill>
+            <a:schemeClr val="phClr"/>
+          </a:solidFill>
           <a:prstDash val="solid"/>
           <a:miter/>
         </a:ln>
@@ -14473,19 +14358,289 @@
           <a:effectLst/>
         </a:effectStyle>
         <a:effectStyle>
-          <a:effectLst/>
+          <a:effectLst>
+            <a:outerShdw blurRad="40000" dist="23000" dir="5400000" rotWithShape="0">
+              <a:srgbClr val="000000">
+                <a:alpha val="35000"/>
+              </a:srgbClr>
+            </a:outerShdw>
+          </a:effectLst>
+          <a:scene3d>
+            <a:camera prst="orthographicFront">
+              <a:rot lat="0" lon="0" rev="0"/>
+            </a:camera>
+            <a:lightRig rig="threePt" dir="t">
+              <a:rot lat="0" lon="0" rev="1200000"/>
+            </a:lightRig>
+          </a:scene3d>
+          <a:sp3d>
+            <a:bevelT w="63500" h="25400"/>
+          </a:sp3d>
         </a:effectStyle>
       </a:effectStyleLst>
       <a:bgFillStyleLst>
         <a:solidFill>
           <a:schemeClr val="phClr"/>
         </a:solidFill>
+        <a:gradFill rotWithShape="1">
+          <a:gsLst>
+            <a:gs pos="0">
+              <a:schemeClr val="phClr">
+                <a:tint val="40000"/>
+                <a:satMod val="350000"/>
+              </a:schemeClr>
+            </a:gs>
+            <a:gs pos="40000">
+              <a:schemeClr val="phClr">
+                <a:tint val="45000"/>
+                <a:shade val="99000"/>
+                <a:satMod val="350000"/>
+              </a:schemeClr>
+            </a:gs>
+            <a:gs pos="100000">
+              <a:schemeClr val="phClr">
+                <a:shade val="20000"/>
+                <a:satMod val="255000"/>
+              </a:schemeClr>
+            </a:gs>
+          </a:gsLst>
+          <a:path path="circle">
+            <a:fillToRect l="50000" t="-80000" r="50000" b="180000"/>
+          </a:path>
+        </a:gradFill>
+        <a:gradFill rotWithShape="1">
+          <a:gsLst>
+            <a:gs pos="0">
+              <a:schemeClr val="phClr">
+                <a:tint val="80000"/>
+                <a:satMod val="300000"/>
+              </a:schemeClr>
+            </a:gs>
+            <a:gs pos="100000">
+              <a:schemeClr val="phClr">
+                <a:shade val="30000"/>
+                <a:satMod val="200000"/>
+              </a:schemeClr>
+            </a:gs>
+          </a:gsLst>
+          <a:path path="circle">
+            <a:fillToRect l="50000" t="50000" r="50000" b="50000"/>
+          </a:path>
+        </a:gradFill>
+      </a:bgFillStyleLst>
+    </a:fmtScheme>
+  </a:themeElements>
+</a:theme>
+</file>
+
+<file path=ppt/theme/theme3.xml><?xml version="1.0" encoding="utf-8"?>
+<a:theme xmlns:a="http://schemas.openxmlformats.org/drawingml/2006/main" name="Office Theme">
+  <a:themeElements>
+    <a:clrScheme name="Office">
+      <a:dk1>
+        <a:sysClr val="windowText" lastClr="000000"/>
+      </a:dk1>
+      <a:lt1>
+        <a:sysClr val="window" lastClr="FFFFFF"/>
+      </a:lt1>
+      <a:dk2>
+        <a:srgbClr val="3b3b3b"/>
+      </a:dk2>
+      <a:lt2>
+        <a:srgbClr val="d4d2d0"/>
+      </a:lt2>
+      <a:accent1>
+        <a:srgbClr val="6ea0b0"/>
+      </a:accent1>
+      <a:accent2>
+        <a:srgbClr val="ccaf0a"/>
+      </a:accent2>
+      <a:accent3>
+        <a:srgbClr val="8d89a4"/>
+      </a:accent3>
+      <a:accent4>
+        <a:srgbClr val="748560"/>
+      </a:accent4>
+      <a:accent5>
+        <a:srgbClr val="9e9273"/>
+      </a:accent5>
+      <a:accent6>
+        <a:srgbClr val="7e848d"/>
+      </a:accent6>
+      <a:hlink>
+        <a:srgbClr val="00c8c3"/>
+      </a:hlink>
+      <a:folHlink>
+        <a:srgbClr val="a116e0"/>
+      </a:folHlink>
+    </a:clrScheme>
+    <a:fontScheme name="Office">
+      <a:majorFont>
+        <a:latin typeface="Arial"/>
+        <a:ea typeface="DejaVu Sans"/>
+        <a:cs typeface="DejaVu Sans"/>
+      </a:majorFont>
+      <a:minorFont>
+        <a:latin typeface="Arial"/>
+        <a:ea typeface="DejaVu Sans"/>
+        <a:cs typeface="DejaVu Sans"/>
+      </a:minorFont>
+    </a:fontScheme>
+    <a:fmtScheme name="Office">
+      <a:fillStyleLst>
         <a:solidFill>
           <a:schemeClr val="phClr"/>
         </a:solidFill>
+        <a:gradFill rotWithShape="1">
+          <a:gsLst>
+            <a:gs pos="0">
+              <a:schemeClr val="phClr">
+                <a:tint val="50000"/>
+                <a:satMod val="300000"/>
+              </a:schemeClr>
+            </a:gs>
+            <a:gs pos="35000">
+              <a:schemeClr val="phClr">
+                <a:tint val="37000"/>
+                <a:satMod val="300000"/>
+              </a:schemeClr>
+            </a:gs>
+            <a:gs pos="100000">
+              <a:schemeClr val="phClr">
+                <a:tint val="15000"/>
+                <a:satMod val="350000"/>
+              </a:schemeClr>
+            </a:gs>
+          </a:gsLst>
+          <a:lin ang="16200000" scaled="1"/>
+        </a:gradFill>
+        <a:gradFill rotWithShape="1">
+          <a:gsLst>
+            <a:gs pos="0">
+              <a:schemeClr val="phClr">
+                <a:shade val="51000"/>
+                <a:satMod val="130000"/>
+              </a:schemeClr>
+            </a:gs>
+            <a:gs pos="80000">
+              <a:schemeClr val="phClr">
+                <a:shade val="93000"/>
+                <a:satMod val="130000"/>
+              </a:schemeClr>
+            </a:gs>
+            <a:gs pos="100000">
+              <a:schemeClr val="phClr">
+                <a:shade val="94000"/>
+                <a:satMod val="135000"/>
+              </a:schemeClr>
+            </a:gs>
+          </a:gsLst>
+          <a:lin ang="16200000" scaled="0"/>
+        </a:gradFill>
+      </a:fillStyleLst>
+      <a:lnStyleLst>
+        <a:ln w="6350" cap="flat" cmpd="sng" algn="ctr">
+          <a:solidFill>
+            <a:schemeClr val="phClr">
+              <a:shade val="95000"/>
+              <a:satMod val="105000"/>
+            </a:schemeClr>
+          </a:solidFill>
+          <a:prstDash val="solid"/>
+          <a:miter/>
+        </a:ln>
+        <a:ln w="12700" cap="flat" cmpd="sng" algn="ctr">
+          <a:solidFill>
+            <a:schemeClr val="phClr"/>
+          </a:solidFill>
+          <a:prstDash val="solid"/>
+          <a:miter/>
+        </a:ln>
+        <a:ln w="19050" cap="flat" cmpd="sng" algn="ctr">
+          <a:solidFill>
+            <a:schemeClr val="phClr"/>
+          </a:solidFill>
+          <a:prstDash val="solid"/>
+          <a:miter/>
+        </a:ln>
+      </a:lnStyleLst>
+      <a:effectStyleLst>
+        <a:effectStyle>
+          <a:effectLst/>
+        </a:effectStyle>
+        <a:effectStyle>
+          <a:effectLst/>
+        </a:effectStyle>
+        <a:effectStyle>
+          <a:effectLst>
+            <a:outerShdw blurRad="40000" dist="23000" dir="5400000" rotWithShape="0">
+              <a:srgbClr val="000000">
+                <a:alpha val="35000"/>
+              </a:srgbClr>
+            </a:outerShdw>
+          </a:effectLst>
+          <a:scene3d>
+            <a:camera prst="orthographicFront">
+              <a:rot lat="0" lon="0" rev="0"/>
+            </a:camera>
+            <a:lightRig rig="threePt" dir="t">
+              <a:rot lat="0" lon="0" rev="1200000"/>
+            </a:lightRig>
+          </a:scene3d>
+          <a:sp3d>
+            <a:bevelT w="63500" h="25400"/>
+          </a:sp3d>
+        </a:effectStyle>
+      </a:effectStyleLst>
+      <a:bgFillStyleLst>
         <a:solidFill>
           <a:schemeClr val="phClr"/>
         </a:solidFill>
+        <a:gradFill rotWithShape="1">
+          <a:gsLst>
+            <a:gs pos="0">
+              <a:schemeClr val="phClr">
+                <a:tint val="40000"/>
+                <a:satMod val="350000"/>
+              </a:schemeClr>
+            </a:gs>
+            <a:gs pos="40000">
+              <a:schemeClr val="phClr">
+                <a:tint val="45000"/>
+                <a:shade val="99000"/>
+                <a:satMod val="350000"/>
+              </a:schemeClr>
+            </a:gs>
+            <a:gs pos="100000">
+              <a:schemeClr val="phClr">
+                <a:shade val="20000"/>
+                <a:satMod val="255000"/>
+              </a:schemeClr>
+            </a:gs>
+          </a:gsLst>
+          <a:path path="circle">
+            <a:fillToRect l="50000" t="-80000" r="50000" b="180000"/>
+          </a:path>
+        </a:gradFill>
+        <a:gradFill rotWithShape="1">
+          <a:gsLst>
+            <a:gs pos="0">
+              <a:schemeClr val="phClr">
+                <a:tint val="80000"/>
+                <a:satMod val="300000"/>
+              </a:schemeClr>
+            </a:gs>
+            <a:gs pos="100000">
+              <a:schemeClr val="phClr">
+                <a:shade val="30000"/>
+                <a:satMod val="200000"/>
+              </a:schemeClr>
+            </a:gs>
+          </a:gsLst>
+          <a:path path="circle">
+            <a:fillToRect l="50000" t="50000" r="50000" b="50000"/>
+          </a:path>
+        </a:gradFill>
       </a:bgFillStyleLst>
     </a:fmtScheme>
   </a:themeElements>
